--- a/project_presentation.pptx
+++ b/project_presentation.pptx
@@ -10,8 +10,12 @@
     <p:sldId id="258" r:id="rId4"/>
     <p:sldId id="259" r:id="rId5"/>
     <p:sldId id="260" r:id="rId6"/>
-    <p:sldId id="261" r:id="rId7"/>
-    <p:sldId id="262" r:id="rId8"/>
+    <p:sldId id="263" r:id="rId7"/>
+    <p:sldId id="264" r:id="rId8"/>
+    <p:sldId id="265" r:id="rId9"/>
+    <p:sldId id="266" r:id="rId10"/>
+    <p:sldId id="261" r:id="rId11"/>
+    <p:sldId id="262" r:id="rId12"/>
   </p:sldIdLst>
   <p:sldSz cx="12192000" cy="6858000"/>
   <p:notesSz cx="6858000" cy="9144000"/>
@@ -3125,462 +3129,7 @@
 </p:sld>
 </file>
 
-<file path=ppt/slides/slide2.xml><?xml version="1.0" encoding="utf-8"?>
-<p:sld xmlns:a="http://schemas.openxmlformats.org/drawingml/2006/main" xmlns:r="http://schemas.openxmlformats.org/officeDocument/2006/relationships" xmlns:p="http://schemas.openxmlformats.org/presentationml/2006/main">
-  <p:cSld>
-    <p:spTree>
-      <p:nvGrpSpPr>
-        <p:cNvPr id="1" name=""/>
-        <p:cNvGrpSpPr/>
-        <p:nvPr/>
-      </p:nvGrpSpPr>
-      <p:grpSpPr>
-        <a:xfrm>
-          <a:off x="0" y="0"/>
-          <a:ext cx="0" cy="0"/>
-          <a:chOff x="0" y="0"/>
-          <a:chExt cx="0" cy="0"/>
-        </a:xfrm>
-      </p:grpSpPr>
-      <p:sp>
-        <p:nvSpPr>
-          <p:cNvPr id="2" name="Titel 1">
-            <a:extLst>
-              <a:ext uri="{FF2B5EF4-FFF2-40B4-BE49-F238E27FC236}">
-                <a16:creationId xmlns:a16="http://schemas.microsoft.com/office/drawing/2014/main" id="{AA521A86-BBC9-864E-AE76-FF49CF91D16E}"/>
-              </a:ext>
-            </a:extLst>
-          </p:cNvPr>
-          <p:cNvSpPr>
-            <a:spLocks noGrp="1"/>
-          </p:cNvSpPr>
-          <p:nvPr>
-            <p:ph type="title"/>
-          </p:nvPr>
-        </p:nvSpPr>
-        <p:spPr/>
-        <p:txBody>
-          <a:bodyPr/>
-          <a:lstStyle/>
-          <a:p>
-            <a:r>
-              <a:rPr lang="de-DE" dirty="0"/>
-              <a:t>Contents</a:t>
-            </a:r>
-          </a:p>
-        </p:txBody>
-      </p:sp>
-      <p:sp>
-        <p:nvSpPr>
-          <p:cNvPr id="3" name="Inhaltsplatzhalter 2">
-            <a:extLst>
-              <a:ext uri="{FF2B5EF4-FFF2-40B4-BE49-F238E27FC236}">
-                <a16:creationId xmlns:a16="http://schemas.microsoft.com/office/drawing/2014/main" id="{5D8D56E7-2D2F-2F44-8C4E-214A9D13C050}"/>
-              </a:ext>
-            </a:extLst>
-          </p:cNvPr>
-          <p:cNvSpPr>
-            <a:spLocks noGrp="1"/>
-          </p:cNvSpPr>
-          <p:nvPr>
-            <p:ph idx="1"/>
-          </p:nvPr>
-        </p:nvSpPr>
-        <p:spPr/>
-        <p:txBody>
-          <a:bodyPr/>
-          <a:lstStyle/>
-          <a:p>
-            <a:r>
-              <a:rPr lang="de-DE" dirty="0"/>
-              <a:t>Modeling </a:t>
-            </a:r>
-            <a:r>
-              <a:rPr lang="de-DE" dirty="0" err="1"/>
-              <a:t>and</a:t>
-            </a:r>
-            <a:r>
-              <a:rPr lang="de-DE" dirty="0"/>
-              <a:t> </a:t>
-            </a:r>
-            <a:r>
-              <a:rPr lang="de-DE" dirty="0" err="1"/>
-              <a:t>simulation</a:t>
-            </a:r>
-            <a:r>
-              <a:rPr lang="de-DE" dirty="0"/>
-              <a:t> </a:t>
-            </a:r>
-            <a:r>
-              <a:rPr lang="de-DE" dirty="0" err="1"/>
-              <a:t>of</a:t>
-            </a:r>
-            <a:r>
-              <a:rPr lang="de-DE" dirty="0"/>
-              <a:t> </a:t>
-            </a:r>
-            <a:r>
-              <a:rPr lang="de-DE" dirty="0" err="1"/>
-              <a:t>the</a:t>
-            </a:r>
-            <a:r>
-              <a:rPr lang="de-DE" dirty="0"/>
-              <a:t> plant</a:t>
-            </a:r>
-          </a:p>
-          <a:p>
-            <a:r>
-              <a:rPr lang="de-DE" dirty="0"/>
-              <a:t>Evaluation </a:t>
-            </a:r>
-            <a:r>
-              <a:rPr lang="de-DE" dirty="0" err="1"/>
-              <a:t>of</a:t>
-            </a:r>
-            <a:r>
-              <a:rPr lang="de-DE" dirty="0"/>
-              <a:t> Simulink </a:t>
-            </a:r>
-            <a:r>
-              <a:rPr lang="de-DE" dirty="0" err="1"/>
-              <a:t>model</a:t>
-            </a:r>
-            <a:endParaRPr lang="de-DE" dirty="0"/>
-          </a:p>
-          <a:p>
-            <a:r>
-              <a:rPr lang="de-DE" dirty="0"/>
-              <a:t>C-code </a:t>
-            </a:r>
-            <a:r>
-              <a:rPr lang="de-DE" dirty="0" err="1"/>
-              <a:t>implementation</a:t>
-            </a:r>
-            <a:endParaRPr lang="de-DE" dirty="0"/>
-          </a:p>
-          <a:p>
-            <a:r>
-              <a:rPr lang="de-DE" dirty="0"/>
-              <a:t>Demonstration</a:t>
-            </a:r>
-          </a:p>
-        </p:txBody>
-      </p:sp>
-    </p:spTree>
-    <p:extLst>
-      <p:ext uri="{BB962C8B-B14F-4D97-AF65-F5344CB8AC3E}">
-        <p14:creationId xmlns:p14="http://schemas.microsoft.com/office/powerpoint/2010/main" val="1593836101"/>
-      </p:ext>
-    </p:extLst>
-  </p:cSld>
-  <p:clrMapOvr>
-    <a:masterClrMapping/>
-  </p:clrMapOvr>
-</p:sld>
-</file>
-
-<file path=ppt/slides/slide3.xml><?xml version="1.0" encoding="utf-8"?>
-<p:sld xmlns:a="http://schemas.openxmlformats.org/drawingml/2006/main" xmlns:r="http://schemas.openxmlformats.org/officeDocument/2006/relationships" xmlns:p="http://schemas.openxmlformats.org/presentationml/2006/main">
-  <p:cSld>
-    <p:spTree>
-      <p:nvGrpSpPr>
-        <p:cNvPr id="1" name=""/>
-        <p:cNvGrpSpPr/>
-        <p:nvPr/>
-      </p:nvGrpSpPr>
-      <p:grpSpPr>
-        <a:xfrm>
-          <a:off x="0" y="0"/>
-          <a:ext cx="0" cy="0"/>
-          <a:chOff x="0" y="0"/>
-          <a:chExt cx="0" cy="0"/>
-        </a:xfrm>
-      </p:grpSpPr>
-      <p:sp>
-        <p:nvSpPr>
-          <p:cNvPr id="3" name="Inhaltsplatzhalter 2">
-            <a:extLst>
-              <a:ext uri="{FF2B5EF4-FFF2-40B4-BE49-F238E27FC236}">
-                <a16:creationId xmlns:a16="http://schemas.microsoft.com/office/drawing/2014/main" id="{3DE16188-EA93-D746-82C7-F62AED9A51D2}"/>
-              </a:ext>
-            </a:extLst>
-          </p:cNvPr>
-          <p:cNvSpPr>
-            <a:spLocks noGrp="1"/>
-          </p:cNvSpPr>
-          <p:nvPr>
-            <p:ph idx="1"/>
-          </p:nvPr>
-        </p:nvSpPr>
-        <p:spPr/>
-        <p:txBody>
-          <a:bodyPr/>
-          <a:lstStyle/>
-          <a:p>
-            <a:endParaRPr lang="de-DE"/>
-          </a:p>
-        </p:txBody>
-      </p:sp>
-      <p:sp>
-        <p:nvSpPr>
-          <p:cNvPr id="5" name="Titel 4">
-            <a:extLst>
-              <a:ext uri="{FF2B5EF4-FFF2-40B4-BE49-F238E27FC236}">
-                <a16:creationId xmlns:a16="http://schemas.microsoft.com/office/drawing/2014/main" id="{582405C7-CFCD-664D-8906-CF5E494A750D}"/>
-              </a:ext>
-            </a:extLst>
-          </p:cNvPr>
-          <p:cNvSpPr>
-            <a:spLocks noGrp="1"/>
-          </p:cNvSpPr>
-          <p:nvPr>
-            <p:ph type="title"/>
-          </p:nvPr>
-        </p:nvSpPr>
-        <p:spPr/>
-        <p:txBody>
-          <a:bodyPr>
-            <a:normAutofit/>
-          </a:bodyPr>
-          <a:lstStyle/>
-          <a:p>
-            <a:r>
-              <a:rPr lang="de-DE" dirty="0"/>
-              <a:t>Modeling </a:t>
-            </a:r>
-            <a:r>
-              <a:rPr lang="de-DE" dirty="0" err="1"/>
-              <a:t>and</a:t>
-            </a:r>
-            <a:r>
-              <a:rPr lang="de-DE" dirty="0"/>
-              <a:t> </a:t>
-            </a:r>
-            <a:r>
-              <a:rPr lang="de-DE" dirty="0" err="1"/>
-              <a:t>simulation</a:t>
-            </a:r>
-            <a:r>
-              <a:rPr lang="de-DE" dirty="0"/>
-              <a:t> </a:t>
-            </a:r>
-            <a:r>
-              <a:rPr lang="de-DE" dirty="0" err="1"/>
-              <a:t>of</a:t>
-            </a:r>
-            <a:r>
-              <a:rPr lang="de-DE" dirty="0"/>
-              <a:t> </a:t>
-            </a:r>
-            <a:r>
-              <a:rPr lang="de-DE" dirty="0" err="1"/>
-              <a:t>the</a:t>
-            </a:r>
-            <a:r>
-              <a:rPr lang="de-DE" dirty="0"/>
-              <a:t> plant</a:t>
-            </a:r>
-          </a:p>
-        </p:txBody>
-      </p:sp>
-    </p:spTree>
-    <p:extLst>
-      <p:ext uri="{BB962C8B-B14F-4D97-AF65-F5344CB8AC3E}">
-        <p14:creationId xmlns:p14="http://schemas.microsoft.com/office/powerpoint/2010/main" val="2693601435"/>
-      </p:ext>
-    </p:extLst>
-  </p:cSld>
-  <p:clrMapOvr>
-    <a:masterClrMapping/>
-  </p:clrMapOvr>
-</p:sld>
-</file>
-
-<file path=ppt/slides/slide4.xml><?xml version="1.0" encoding="utf-8"?>
-<p:sld xmlns:a="http://schemas.openxmlformats.org/drawingml/2006/main" xmlns:r="http://schemas.openxmlformats.org/officeDocument/2006/relationships" xmlns:p="http://schemas.openxmlformats.org/presentationml/2006/main">
-  <p:cSld>
-    <p:spTree>
-      <p:nvGrpSpPr>
-        <p:cNvPr id="1" name=""/>
-        <p:cNvGrpSpPr/>
-        <p:nvPr/>
-      </p:nvGrpSpPr>
-      <p:grpSpPr>
-        <a:xfrm>
-          <a:off x="0" y="0"/>
-          <a:ext cx="0" cy="0"/>
-          <a:chOff x="0" y="0"/>
-          <a:chExt cx="0" cy="0"/>
-        </a:xfrm>
-      </p:grpSpPr>
-      <p:sp>
-        <p:nvSpPr>
-          <p:cNvPr id="2" name="Titel 1">
-            <a:extLst>
-              <a:ext uri="{FF2B5EF4-FFF2-40B4-BE49-F238E27FC236}">
-                <a16:creationId xmlns:a16="http://schemas.microsoft.com/office/drawing/2014/main" id="{F00758FC-88FE-9148-81CF-0F23CDA73761}"/>
-              </a:ext>
-            </a:extLst>
-          </p:cNvPr>
-          <p:cNvSpPr>
-            <a:spLocks noGrp="1"/>
-          </p:cNvSpPr>
-          <p:nvPr>
-            <p:ph type="title"/>
-          </p:nvPr>
-        </p:nvSpPr>
-        <p:spPr/>
-        <p:txBody>
-          <a:bodyPr/>
-          <a:lstStyle/>
-          <a:p>
-            <a:r>
-              <a:rPr lang="de-DE" dirty="0"/>
-              <a:t>Evaluation </a:t>
-            </a:r>
-            <a:r>
-              <a:rPr lang="de-DE" dirty="0" err="1"/>
-              <a:t>of</a:t>
-            </a:r>
-            <a:r>
-              <a:rPr lang="de-DE" dirty="0"/>
-              <a:t> Simulink </a:t>
-            </a:r>
-            <a:r>
-              <a:rPr lang="de-DE" dirty="0" err="1"/>
-              <a:t>model</a:t>
-            </a:r>
-            <a:endParaRPr lang="de-DE" dirty="0"/>
-          </a:p>
-        </p:txBody>
-      </p:sp>
-      <p:sp>
-        <p:nvSpPr>
-          <p:cNvPr id="3" name="Inhaltsplatzhalter 2">
-            <a:extLst>
-              <a:ext uri="{FF2B5EF4-FFF2-40B4-BE49-F238E27FC236}">
-                <a16:creationId xmlns:a16="http://schemas.microsoft.com/office/drawing/2014/main" id="{41CD9931-9B14-B340-90F8-1D80A3A4EAF0}"/>
-              </a:ext>
-            </a:extLst>
-          </p:cNvPr>
-          <p:cNvSpPr>
-            <a:spLocks noGrp="1"/>
-          </p:cNvSpPr>
-          <p:nvPr>
-            <p:ph idx="1"/>
-          </p:nvPr>
-        </p:nvSpPr>
-        <p:spPr/>
-        <p:txBody>
-          <a:bodyPr/>
-          <a:lstStyle/>
-          <a:p>
-            <a:endParaRPr lang="de-DE"/>
-          </a:p>
-        </p:txBody>
-      </p:sp>
-    </p:spTree>
-    <p:extLst>
-      <p:ext uri="{BB962C8B-B14F-4D97-AF65-F5344CB8AC3E}">
-        <p14:creationId xmlns:p14="http://schemas.microsoft.com/office/powerpoint/2010/main" val="3170014648"/>
-      </p:ext>
-    </p:extLst>
-  </p:cSld>
-  <p:clrMapOvr>
-    <a:masterClrMapping/>
-  </p:clrMapOvr>
-</p:sld>
-</file>
-
-<file path=ppt/slides/slide5.xml><?xml version="1.0" encoding="utf-8"?>
-<p:sld xmlns:a="http://schemas.openxmlformats.org/drawingml/2006/main" xmlns:r="http://schemas.openxmlformats.org/officeDocument/2006/relationships" xmlns:p="http://schemas.openxmlformats.org/presentationml/2006/main">
-  <p:cSld>
-    <p:spTree>
-      <p:nvGrpSpPr>
-        <p:cNvPr id="1" name=""/>
-        <p:cNvGrpSpPr/>
-        <p:nvPr/>
-      </p:nvGrpSpPr>
-      <p:grpSpPr>
-        <a:xfrm>
-          <a:off x="0" y="0"/>
-          <a:ext cx="0" cy="0"/>
-          <a:chOff x="0" y="0"/>
-          <a:chExt cx="0" cy="0"/>
-        </a:xfrm>
-      </p:grpSpPr>
-      <p:sp>
-        <p:nvSpPr>
-          <p:cNvPr id="2" name="Titel 1">
-            <a:extLst>
-              <a:ext uri="{FF2B5EF4-FFF2-40B4-BE49-F238E27FC236}">
-                <a16:creationId xmlns:a16="http://schemas.microsoft.com/office/drawing/2014/main" id="{BA3027A2-7564-7A4F-B4F8-5EF3DF79167E}"/>
-              </a:ext>
-            </a:extLst>
-          </p:cNvPr>
-          <p:cNvSpPr>
-            <a:spLocks noGrp="1"/>
-          </p:cNvSpPr>
-          <p:nvPr>
-            <p:ph type="title"/>
-          </p:nvPr>
-        </p:nvSpPr>
-        <p:spPr/>
-        <p:txBody>
-          <a:bodyPr/>
-          <a:lstStyle/>
-          <a:p>
-            <a:r>
-              <a:rPr lang="de-DE" dirty="0"/>
-              <a:t>C-code </a:t>
-            </a:r>
-            <a:r>
-              <a:rPr lang="de-DE" dirty="0" err="1"/>
-              <a:t>implementation</a:t>
-            </a:r>
-            <a:endParaRPr lang="de-DE" dirty="0"/>
-          </a:p>
-        </p:txBody>
-      </p:sp>
-      <p:sp>
-        <p:nvSpPr>
-          <p:cNvPr id="3" name="Inhaltsplatzhalter 2">
-            <a:extLst>
-              <a:ext uri="{FF2B5EF4-FFF2-40B4-BE49-F238E27FC236}">
-                <a16:creationId xmlns:a16="http://schemas.microsoft.com/office/drawing/2014/main" id="{5883414A-B3A6-BE40-8248-C6206154A4F0}"/>
-              </a:ext>
-            </a:extLst>
-          </p:cNvPr>
-          <p:cNvSpPr>
-            <a:spLocks noGrp="1"/>
-          </p:cNvSpPr>
-          <p:nvPr>
-            <p:ph idx="1"/>
-          </p:nvPr>
-        </p:nvSpPr>
-        <p:spPr/>
-        <p:txBody>
-          <a:bodyPr/>
-          <a:lstStyle/>
-          <a:p>
-            <a:endParaRPr lang="de-DE"/>
-          </a:p>
-        </p:txBody>
-      </p:sp>
-    </p:spTree>
-    <p:extLst>
-      <p:ext uri="{BB962C8B-B14F-4D97-AF65-F5344CB8AC3E}">
-        <p14:creationId xmlns:p14="http://schemas.microsoft.com/office/powerpoint/2010/main" val="2246717686"/>
-      </p:ext>
-    </p:extLst>
-  </p:cSld>
-  <p:clrMapOvr>
-    <a:masterClrMapping/>
-  </p:clrMapOvr>
-</p:sld>
-</file>
-
-<file path=ppt/slides/slide6.xml><?xml version="1.0" encoding="utf-8"?>
+<file path=ppt/slides/slide10.xml><?xml version="1.0" encoding="utf-8"?>
 <p:sld xmlns:a="http://schemas.openxmlformats.org/drawingml/2006/main" xmlns:r="http://schemas.openxmlformats.org/officeDocument/2006/relationships" xmlns:p="http://schemas.openxmlformats.org/presentationml/2006/main">
   <p:cSld>
     <p:bg>
@@ -3733,7 +3282,7 @@
 </p:sld>
 </file>
 
-<file path=ppt/slides/slide7.xml><?xml version="1.0" encoding="utf-8"?>
+<file path=ppt/slides/slide11.xml><?xml version="1.0" encoding="utf-8"?>
 <p:sld xmlns:a="http://schemas.openxmlformats.org/drawingml/2006/main" xmlns:r="http://schemas.openxmlformats.org/officeDocument/2006/relationships" xmlns:p="http://schemas.openxmlformats.org/presentationml/2006/main">
   <p:cSld>
     <p:bg>
@@ -3818,6 +3367,3798 @@
   </p:cSld>
   <p:clrMapOvr>
     <a:overrideClrMapping bg1="dk1" tx1="lt1" bg2="dk2" tx2="lt2" accent1="accent1" accent2="accent2" accent3="accent3" accent4="accent4" accent5="accent5" accent6="accent6" hlink="hlink" folHlink="folHlink"/>
+  </p:clrMapOvr>
+</p:sld>
+</file>
+
+<file path=ppt/slides/slide2.xml><?xml version="1.0" encoding="utf-8"?>
+<p:sld xmlns:a="http://schemas.openxmlformats.org/drawingml/2006/main" xmlns:r="http://schemas.openxmlformats.org/officeDocument/2006/relationships" xmlns:p="http://schemas.openxmlformats.org/presentationml/2006/main">
+  <p:cSld>
+    <p:spTree>
+      <p:nvGrpSpPr>
+        <p:cNvPr id="1" name=""/>
+        <p:cNvGrpSpPr/>
+        <p:nvPr/>
+      </p:nvGrpSpPr>
+      <p:grpSpPr>
+        <a:xfrm>
+          <a:off x="0" y="0"/>
+          <a:ext cx="0" cy="0"/>
+          <a:chOff x="0" y="0"/>
+          <a:chExt cx="0" cy="0"/>
+        </a:xfrm>
+      </p:grpSpPr>
+      <p:sp>
+        <p:nvSpPr>
+          <p:cNvPr id="2" name="Titel 1">
+            <a:extLst>
+              <a:ext uri="{FF2B5EF4-FFF2-40B4-BE49-F238E27FC236}">
+                <a16:creationId xmlns:a16="http://schemas.microsoft.com/office/drawing/2014/main" id="{AA521A86-BBC9-864E-AE76-FF49CF91D16E}"/>
+              </a:ext>
+            </a:extLst>
+          </p:cNvPr>
+          <p:cNvSpPr>
+            <a:spLocks noGrp="1"/>
+          </p:cNvSpPr>
+          <p:nvPr>
+            <p:ph type="title"/>
+          </p:nvPr>
+        </p:nvSpPr>
+        <p:spPr/>
+        <p:txBody>
+          <a:bodyPr/>
+          <a:lstStyle/>
+          <a:p>
+            <a:r>
+              <a:rPr lang="de-DE" dirty="0"/>
+              <a:t>Contents</a:t>
+            </a:r>
+          </a:p>
+        </p:txBody>
+      </p:sp>
+      <p:sp>
+        <p:nvSpPr>
+          <p:cNvPr id="3" name="Inhaltsplatzhalter 2">
+            <a:extLst>
+              <a:ext uri="{FF2B5EF4-FFF2-40B4-BE49-F238E27FC236}">
+                <a16:creationId xmlns:a16="http://schemas.microsoft.com/office/drawing/2014/main" id="{5D8D56E7-2D2F-2F44-8C4E-214A9D13C050}"/>
+              </a:ext>
+            </a:extLst>
+          </p:cNvPr>
+          <p:cNvSpPr>
+            <a:spLocks noGrp="1"/>
+          </p:cNvSpPr>
+          <p:nvPr>
+            <p:ph idx="1"/>
+          </p:nvPr>
+        </p:nvSpPr>
+        <p:spPr/>
+        <p:txBody>
+          <a:bodyPr/>
+          <a:lstStyle/>
+          <a:p>
+            <a:r>
+              <a:rPr lang="de-DE" dirty="0"/>
+              <a:t>Modeling </a:t>
+            </a:r>
+            <a:r>
+              <a:rPr lang="de-DE" dirty="0" err="1"/>
+              <a:t>and</a:t>
+            </a:r>
+            <a:r>
+              <a:rPr lang="de-DE" dirty="0"/>
+              <a:t> </a:t>
+            </a:r>
+            <a:r>
+              <a:rPr lang="de-DE" dirty="0" err="1"/>
+              <a:t>simulation</a:t>
+            </a:r>
+            <a:r>
+              <a:rPr lang="de-DE" dirty="0"/>
+              <a:t> </a:t>
+            </a:r>
+            <a:r>
+              <a:rPr lang="de-DE" dirty="0" err="1"/>
+              <a:t>of</a:t>
+            </a:r>
+            <a:r>
+              <a:rPr lang="de-DE" dirty="0"/>
+              <a:t> </a:t>
+            </a:r>
+            <a:r>
+              <a:rPr lang="de-DE" dirty="0" err="1"/>
+              <a:t>the</a:t>
+            </a:r>
+            <a:r>
+              <a:rPr lang="de-DE" dirty="0"/>
+              <a:t> plant</a:t>
+            </a:r>
+          </a:p>
+          <a:p>
+            <a:r>
+              <a:rPr lang="de-DE" dirty="0"/>
+              <a:t>Evaluation </a:t>
+            </a:r>
+            <a:r>
+              <a:rPr lang="de-DE" dirty="0" err="1"/>
+              <a:t>of</a:t>
+            </a:r>
+            <a:r>
+              <a:rPr lang="de-DE" dirty="0"/>
+              <a:t> Simulink </a:t>
+            </a:r>
+            <a:r>
+              <a:rPr lang="de-DE" dirty="0" err="1"/>
+              <a:t>model</a:t>
+            </a:r>
+            <a:endParaRPr lang="de-DE" dirty="0"/>
+          </a:p>
+          <a:p>
+            <a:r>
+              <a:rPr lang="de-DE" dirty="0"/>
+              <a:t>C-code </a:t>
+            </a:r>
+            <a:r>
+              <a:rPr lang="de-DE" dirty="0" err="1"/>
+              <a:t>implementation</a:t>
+            </a:r>
+            <a:endParaRPr lang="de-DE" dirty="0"/>
+          </a:p>
+          <a:p>
+            <a:r>
+              <a:rPr lang="de-DE" dirty="0"/>
+              <a:t>Demonstration</a:t>
+            </a:r>
+          </a:p>
+        </p:txBody>
+      </p:sp>
+    </p:spTree>
+    <p:extLst>
+      <p:ext uri="{BB962C8B-B14F-4D97-AF65-F5344CB8AC3E}">
+        <p14:creationId xmlns:p14="http://schemas.microsoft.com/office/powerpoint/2010/main" val="1593836101"/>
+      </p:ext>
+    </p:extLst>
+  </p:cSld>
+  <p:clrMapOvr>
+    <a:masterClrMapping/>
+  </p:clrMapOvr>
+</p:sld>
+</file>
+
+<file path=ppt/slides/slide3.xml><?xml version="1.0" encoding="utf-8"?>
+<p:sld xmlns:a="http://schemas.openxmlformats.org/drawingml/2006/main" xmlns:r="http://schemas.openxmlformats.org/officeDocument/2006/relationships" xmlns:p="http://schemas.openxmlformats.org/presentationml/2006/main">
+  <p:cSld>
+    <p:spTree>
+      <p:nvGrpSpPr>
+        <p:cNvPr id="1" name=""/>
+        <p:cNvGrpSpPr/>
+        <p:nvPr/>
+      </p:nvGrpSpPr>
+      <p:grpSpPr>
+        <a:xfrm>
+          <a:off x="0" y="0"/>
+          <a:ext cx="0" cy="0"/>
+          <a:chOff x="0" y="0"/>
+          <a:chExt cx="0" cy="0"/>
+        </a:xfrm>
+      </p:grpSpPr>
+      <p:sp>
+        <p:nvSpPr>
+          <p:cNvPr id="3" name="Inhaltsplatzhalter 2">
+            <a:extLst>
+              <a:ext uri="{FF2B5EF4-FFF2-40B4-BE49-F238E27FC236}">
+                <a16:creationId xmlns:a16="http://schemas.microsoft.com/office/drawing/2014/main" id="{3DE16188-EA93-D746-82C7-F62AED9A51D2}"/>
+              </a:ext>
+            </a:extLst>
+          </p:cNvPr>
+          <p:cNvSpPr>
+            <a:spLocks noGrp="1"/>
+          </p:cNvSpPr>
+          <p:nvPr>
+            <p:ph idx="1"/>
+          </p:nvPr>
+        </p:nvSpPr>
+        <p:spPr/>
+        <p:txBody>
+          <a:bodyPr/>
+          <a:lstStyle/>
+          <a:p>
+            <a:endParaRPr lang="de-DE"/>
+          </a:p>
+        </p:txBody>
+      </p:sp>
+      <p:sp>
+        <p:nvSpPr>
+          <p:cNvPr id="5" name="Titel 4">
+            <a:extLst>
+              <a:ext uri="{FF2B5EF4-FFF2-40B4-BE49-F238E27FC236}">
+                <a16:creationId xmlns:a16="http://schemas.microsoft.com/office/drawing/2014/main" id="{582405C7-CFCD-664D-8906-CF5E494A750D}"/>
+              </a:ext>
+            </a:extLst>
+          </p:cNvPr>
+          <p:cNvSpPr>
+            <a:spLocks noGrp="1"/>
+          </p:cNvSpPr>
+          <p:nvPr>
+            <p:ph type="title"/>
+          </p:nvPr>
+        </p:nvSpPr>
+        <p:spPr/>
+        <p:txBody>
+          <a:bodyPr>
+            <a:normAutofit/>
+          </a:bodyPr>
+          <a:lstStyle/>
+          <a:p>
+            <a:r>
+              <a:rPr lang="de-DE" dirty="0"/>
+              <a:t>Modeling </a:t>
+            </a:r>
+            <a:r>
+              <a:rPr lang="de-DE" dirty="0" err="1"/>
+              <a:t>and</a:t>
+            </a:r>
+            <a:r>
+              <a:rPr lang="de-DE" dirty="0"/>
+              <a:t> </a:t>
+            </a:r>
+            <a:r>
+              <a:rPr lang="de-DE" dirty="0" err="1"/>
+              <a:t>simulation</a:t>
+            </a:r>
+            <a:r>
+              <a:rPr lang="de-DE" dirty="0"/>
+              <a:t> </a:t>
+            </a:r>
+            <a:r>
+              <a:rPr lang="de-DE" dirty="0" err="1"/>
+              <a:t>of</a:t>
+            </a:r>
+            <a:r>
+              <a:rPr lang="de-DE" dirty="0"/>
+              <a:t> </a:t>
+            </a:r>
+            <a:r>
+              <a:rPr lang="de-DE" dirty="0" err="1"/>
+              <a:t>the</a:t>
+            </a:r>
+            <a:r>
+              <a:rPr lang="de-DE" dirty="0"/>
+              <a:t> plant</a:t>
+            </a:r>
+          </a:p>
+        </p:txBody>
+      </p:sp>
+    </p:spTree>
+    <p:extLst>
+      <p:ext uri="{BB962C8B-B14F-4D97-AF65-F5344CB8AC3E}">
+        <p14:creationId xmlns:p14="http://schemas.microsoft.com/office/powerpoint/2010/main" val="2693601435"/>
+      </p:ext>
+    </p:extLst>
+  </p:cSld>
+  <p:clrMapOvr>
+    <a:masterClrMapping/>
+  </p:clrMapOvr>
+</p:sld>
+</file>
+
+<file path=ppt/slides/slide4.xml><?xml version="1.0" encoding="utf-8"?>
+<p:sld xmlns:a="http://schemas.openxmlformats.org/drawingml/2006/main" xmlns:r="http://schemas.openxmlformats.org/officeDocument/2006/relationships" xmlns:p="http://schemas.openxmlformats.org/presentationml/2006/main">
+  <p:cSld>
+    <p:spTree>
+      <p:nvGrpSpPr>
+        <p:cNvPr id="1" name=""/>
+        <p:cNvGrpSpPr/>
+        <p:nvPr/>
+      </p:nvGrpSpPr>
+      <p:grpSpPr>
+        <a:xfrm>
+          <a:off x="0" y="0"/>
+          <a:ext cx="0" cy="0"/>
+          <a:chOff x="0" y="0"/>
+          <a:chExt cx="0" cy="0"/>
+        </a:xfrm>
+      </p:grpSpPr>
+      <p:sp>
+        <p:nvSpPr>
+          <p:cNvPr id="2" name="Titel 1">
+            <a:extLst>
+              <a:ext uri="{FF2B5EF4-FFF2-40B4-BE49-F238E27FC236}">
+                <a16:creationId xmlns:a16="http://schemas.microsoft.com/office/drawing/2014/main" id="{F00758FC-88FE-9148-81CF-0F23CDA73761}"/>
+              </a:ext>
+            </a:extLst>
+          </p:cNvPr>
+          <p:cNvSpPr>
+            <a:spLocks noGrp="1"/>
+          </p:cNvSpPr>
+          <p:nvPr>
+            <p:ph type="title"/>
+          </p:nvPr>
+        </p:nvSpPr>
+        <p:spPr/>
+        <p:txBody>
+          <a:bodyPr/>
+          <a:lstStyle/>
+          <a:p>
+            <a:r>
+              <a:rPr lang="de-DE" dirty="0"/>
+              <a:t>Evaluation </a:t>
+            </a:r>
+            <a:r>
+              <a:rPr lang="de-DE" dirty="0" err="1"/>
+              <a:t>of</a:t>
+            </a:r>
+            <a:r>
+              <a:rPr lang="de-DE" dirty="0"/>
+              <a:t> Simulink </a:t>
+            </a:r>
+            <a:r>
+              <a:rPr lang="de-DE" dirty="0" err="1"/>
+              <a:t>model</a:t>
+            </a:r>
+            <a:endParaRPr lang="de-DE" dirty="0"/>
+          </a:p>
+        </p:txBody>
+      </p:sp>
+      <p:sp>
+        <p:nvSpPr>
+          <p:cNvPr id="3" name="Inhaltsplatzhalter 2">
+            <a:extLst>
+              <a:ext uri="{FF2B5EF4-FFF2-40B4-BE49-F238E27FC236}">
+                <a16:creationId xmlns:a16="http://schemas.microsoft.com/office/drawing/2014/main" id="{41CD9931-9B14-B340-90F8-1D80A3A4EAF0}"/>
+              </a:ext>
+            </a:extLst>
+          </p:cNvPr>
+          <p:cNvSpPr>
+            <a:spLocks noGrp="1"/>
+          </p:cNvSpPr>
+          <p:nvPr>
+            <p:ph idx="1"/>
+          </p:nvPr>
+        </p:nvSpPr>
+        <p:spPr/>
+        <p:txBody>
+          <a:bodyPr/>
+          <a:lstStyle/>
+          <a:p>
+            <a:endParaRPr lang="de-DE"/>
+          </a:p>
+        </p:txBody>
+      </p:sp>
+    </p:spTree>
+    <p:extLst>
+      <p:ext uri="{BB962C8B-B14F-4D97-AF65-F5344CB8AC3E}">
+        <p14:creationId xmlns:p14="http://schemas.microsoft.com/office/powerpoint/2010/main" val="3170014648"/>
+      </p:ext>
+    </p:extLst>
+  </p:cSld>
+  <p:clrMapOvr>
+    <a:masterClrMapping/>
+  </p:clrMapOvr>
+</p:sld>
+</file>
+
+<file path=ppt/slides/slide5.xml><?xml version="1.0" encoding="utf-8"?>
+<p:sld xmlns:a="http://schemas.openxmlformats.org/drawingml/2006/main" xmlns:r="http://schemas.openxmlformats.org/officeDocument/2006/relationships" xmlns:p="http://schemas.openxmlformats.org/presentationml/2006/main">
+  <p:cSld>
+    <p:spTree>
+      <p:nvGrpSpPr>
+        <p:cNvPr id="1" name=""/>
+        <p:cNvGrpSpPr/>
+        <p:nvPr/>
+      </p:nvGrpSpPr>
+      <p:grpSpPr>
+        <a:xfrm>
+          <a:off x="0" y="0"/>
+          <a:ext cx="0" cy="0"/>
+          <a:chOff x="0" y="0"/>
+          <a:chExt cx="0" cy="0"/>
+        </a:xfrm>
+      </p:grpSpPr>
+      <p:sp>
+        <p:nvSpPr>
+          <p:cNvPr id="2" name="Titel 1">
+            <a:extLst>
+              <a:ext uri="{FF2B5EF4-FFF2-40B4-BE49-F238E27FC236}">
+                <a16:creationId xmlns:a16="http://schemas.microsoft.com/office/drawing/2014/main" id="{BA3027A2-7564-7A4F-B4F8-5EF3DF79167E}"/>
+              </a:ext>
+            </a:extLst>
+          </p:cNvPr>
+          <p:cNvSpPr>
+            <a:spLocks noGrp="1"/>
+          </p:cNvSpPr>
+          <p:nvPr>
+            <p:ph type="title"/>
+          </p:nvPr>
+        </p:nvSpPr>
+        <p:spPr/>
+        <p:txBody>
+          <a:bodyPr/>
+          <a:lstStyle/>
+          <a:p>
+            <a:r>
+              <a:rPr lang="de-DE" dirty="0"/>
+              <a:t>C-code </a:t>
+            </a:r>
+            <a:r>
+              <a:rPr lang="de-DE" dirty="0" err="1"/>
+              <a:t>implementation</a:t>
+            </a:r>
+            <a:br>
+              <a:rPr lang="de-DE" dirty="0"/>
+            </a:br>
+            <a:r>
+              <a:rPr lang="de-DE" dirty="0"/>
+              <a:t>- State </a:t>
+            </a:r>
+            <a:r>
+              <a:rPr lang="de-DE" dirty="0" err="1"/>
+              <a:t>vector</a:t>
+            </a:r>
+            <a:r>
+              <a:rPr lang="de-DE" dirty="0"/>
+              <a:t> -</a:t>
+            </a:r>
+          </a:p>
+        </p:txBody>
+      </p:sp>
+      <p:sp>
+        <p:nvSpPr>
+          <p:cNvPr id="3" name="Inhaltsplatzhalter 2">
+            <a:extLst>
+              <a:ext uri="{FF2B5EF4-FFF2-40B4-BE49-F238E27FC236}">
+                <a16:creationId xmlns:a16="http://schemas.microsoft.com/office/drawing/2014/main" id="{5883414A-B3A6-BE40-8248-C6206154A4F0}"/>
+              </a:ext>
+            </a:extLst>
+          </p:cNvPr>
+          <p:cNvSpPr>
+            <a:spLocks noGrp="1"/>
+          </p:cNvSpPr>
+          <p:nvPr>
+            <p:ph idx="1"/>
+          </p:nvPr>
+        </p:nvSpPr>
+        <p:spPr/>
+        <p:txBody>
+          <a:bodyPr>
+            <a:normAutofit fontScale="92500" lnSpcReduction="10000"/>
+          </a:bodyPr>
+          <a:lstStyle/>
+          <a:p>
+            <a:pPr marL="0" indent="0">
+              <a:buNone/>
+            </a:pPr>
+            <a:r>
+              <a:rPr lang="de-DE" dirty="0">
+                <a:solidFill>
+                  <a:srgbClr val="569CD6"/>
+                </a:solidFill>
+                <a:latin typeface="Menlo" panose="020B0609030804020204" pitchFamily="49" charset="0"/>
+              </a:rPr>
+              <a:t>volatile</a:t>
+            </a:r>
+            <a:r>
+              <a:rPr lang="de-DE" dirty="0">
+                <a:solidFill>
+                  <a:srgbClr val="D4D4D4"/>
+                </a:solidFill>
+                <a:latin typeface="Menlo" panose="020B0609030804020204" pitchFamily="49" charset="0"/>
+              </a:rPr>
+              <a:t> </a:t>
+            </a:r>
+            <a:r>
+              <a:rPr lang="de-DE" dirty="0" err="1">
+                <a:solidFill>
+                  <a:srgbClr val="569CD6"/>
+                </a:solidFill>
+                <a:latin typeface="Menlo" panose="020B0609030804020204" pitchFamily="49" charset="0"/>
+              </a:rPr>
+              <a:t>struct</a:t>
+            </a:r>
+            <a:r>
+              <a:rPr lang="de-DE" dirty="0">
+                <a:solidFill>
+                  <a:srgbClr val="D4D4D4"/>
+                </a:solidFill>
+                <a:latin typeface="Menlo" panose="020B0609030804020204" pitchFamily="49" charset="0"/>
+              </a:rPr>
+              <a:t> {</a:t>
+            </a:r>
+          </a:p>
+          <a:p>
+            <a:pPr marL="0" indent="0">
+              <a:buNone/>
+            </a:pPr>
+            <a:r>
+              <a:rPr lang="de-DE" dirty="0">
+                <a:solidFill>
+                  <a:srgbClr val="6A9955"/>
+                </a:solidFill>
+                <a:latin typeface="Menlo" panose="020B0609030804020204" pitchFamily="49" charset="0"/>
+              </a:rPr>
+              <a:t>// </a:t>
+            </a:r>
+            <a:r>
+              <a:rPr lang="de-DE" dirty="0" err="1">
+                <a:solidFill>
+                  <a:srgbClr val="6A9955"/>
+                </a:solidFill>
+                <a:latin typeface="Menlo" panose="020B0609030804020204" pitchFamily="49" charset="0"/>
+              </a:rPr>
+              <a:t>angles</a:t>
+            </a:r>
+            <a:r>
+              <a:rPr lang="de-DE" dirty="0">
+                <a:solidFill>
+                  <a:srgbClr val="6A9955"/>
+                </a:solidFill>
+                <a:latin typeface="Menlo" panose="020B0609030804020204" pitchFamily="49" charset="0"/>
+              </a:rPr>
+              <a:t> - </a:t>
+            </a:r>
+            <a:r>
+              <a:rPr lang="de-DE" dirty="0" err="1">
+                <a:solidFill>
+                  <a:srgbClr val="6A9955"/>
+                </a:solidFill>
+                <a:latin typeface="Menlo" panose="020B0609030804020204" pitchFamily="49" charset="0"/>
+              </a:rPr>
+              <a:t>degree</a:t>
+            </a:r>
+            <a:endParaRPr lang="de-DE" dirty="0">
+              <a:solidFill>
+                <a:srgbClr val="D4D4D4"/>
+              </a:solidFill>
+              <a:latin typeface="Menlo" panose="020B0609030804020204" pitchFamily="49" charset="0"/>
+            </a:endParaRPr>
+          </a:p>
+          <a:p>
+            <a:pPr marL="228600" lvl="1" indent="0">
+              <a:buNone/>
+            </a:pPr>
+            <a:r>
+              <a:rPr lang="de-DE" dirty="0" err="1">
+                <a:solidFill>
+                  <a:srgbClr val="569CD6"/>
+                </a:solidFill>
+                <a:latin typeface="Menlo" panose="020B0609030804020204" pitchFamily="49" charset="0"/>
+              </a:rPr>
+              <a:t>float</a:t>
+            </a:r>
+            <a:r>
+              <a:rPr lang="de-DE" dirty="0">
+                <a:solidFill>
+                  <a:srgbClr val="D4D4D4"/>
+                </a:solidFill>
+                <a:latin typeface="Menlo" panose="020B0609030804020204" pitchFamily="49" charset="0"/>
+              </a:rPr>
+              <a:t> </a:t>
+            </a:r>
+            <a:r>
+              <a:rPr lang="de-DE" dirty="0">
+                <a:solidFill>
+                  <a:schemeClr val="tx1"/>
+                </a:solidFill>
+                <a:latin typeface="Menlo" panose="020B0609030804020204" pitchFamily="49" charset="0"/>
+              </a:rPr>
+              <a:t>roll;</a:t>
+            </a:r>
+          </a:p>
+          <a:p>
+            <a:pPr marL="228600" lvl="1" indent="0">
+              <a:buNone/>
+            </a:pPr>
+            <a:r>
+              <a:rPr lang="de-DE" dirty="0" err="1">
+                <a:solidFill>
+                  <a:srgbClr val="569CD6"/>
+                </a:solidFill>
+                <a:latin typeface="Menlo" panose="020B0609030804020204" pitchFamily="49" charset="0"/>
+              </a:rPr>
+              <a:t>float</a:t>
+            </a:r>
+            <a:r>
+              <a:rPr lang="de-DE" dirty="0">
+                <a:solidFill>
+                  <a:srgbClr val="D4D4D4"/>
+                </a:solidFill>
+                <a:latin typeface="Menlo" panose="020B0609030804020204" pitchFamily="49" charset="0"/>
+              </a:rPr>
+              <a:t> </a:t>
+            </a:r>
+            <a:r>
+              <a:rPr lang="de-DE" dirty="0" err="1">
+                <a:solidFill>
+                  <a:schemeClr val="tx1"/>
+                </a:solidFill>
+                <a:latin typeface="Menlo" panose="020B0609030804020204" pitchFamily="49" charset="0"/>
+              </a:rPr>
+              <a:t>pitch</a:t>
+            </a:r>
+            <a:r>
+              <a:rPr lang="de-DE" dirty="0">
+                <a:solidFill>
+                  <a:schemeClr val="tx1"/>
+                </a:solidFill>
+                <a:latin typeface="Menlo" panose="020B0609030804020204" pitchFamily="49" charset="0"/>
+              </a:rPr>
+              <a:t>;</a:t>
+            </a:r>
+          </a:p>
+          <a:p>
+            <a:pPr marL="0" indent="0">
+              <a:buNone/>
+            </a:pPr>
+            <a:r>
+              <a:rPr lang="de-DE" dirty="0">
+                <a:solidFill>
+                  <a:srgbClr val="6A9955"/>
+                </a:solidFill>
+                <a:latin typeface="Menlo" panose="020B0609030804020204" pitchFamily="49" charset="0"/>
+              </a:rPr>
+              <a:t>// angular </a:t>
+            </a:r>
+            <a:r>
+              <a:rPr lang="de-DE" dirty="0" err="1">
+                <a:solidFill>
+                  <a:srgbClr val="6A9955"/>
+                </a:solidFill>
+                <a:latin typeface="Menlo" panose="020B0609030804020204" pitchFamily="49" charset="0"/>
+              </a:rPr>
+              <a:t>velocity</a:t>
+            </a:r>
+            <a:r>
+              <a:rPr lang="de-DE" dirty="0">
+                <a:solidFill>
+                  <a:srgbClr val="6A9955"/>
+                </a:solidFill>
+                <a:latin typeface="Menlo" panose="020B0609030804020204" pitchFamily="49" charset="0"/>
+              </a:rPr>
+              <a:t> - </a:t>
+            </a:r>
+            <a:r>
+              <a:rPr lang="de-DE" dirty="0" err="1">
+                <a:solidFill>
+                  <a:srgbClr val="6A9955"/>
+                </a:solidFill>
+                <a:latin typeface="Menlo" panose="020B0609030804020204" pitchFamily="49" charset="0"/>
+              </a:rPr>
+              <a:t>degree</a:t>
+            </a:r>
+            <a:r>
+              <a:rPr lang="de-DE" dirty="0">
+                <a:solidFill>
+                  <a:srgbClr val="6A9955"/>
+                </a:solidFill>
+                <a:latin typeface="Menlo" panose="020B0609030804020204" pitchFamily="49" charset="0"/>
+              </a:rPr>
+              <a:t> / sec</a:t>
+            </a:r>
+            <a:endParaRPr lang="de-DE" dirty="0">
+              <a:solidFill>
+                <a:srgbClr val="D4D4D4"/>
+              </a:solidFill>
+              <a:latin typeface="Menlo" panose="020B0609030804020204" pitchFamily="49" charset="0"/>
+            </a:endParaRPr>
+          </a:p>
+          <a:p>
+            <a:pPr marL="228600" lvl="1" indent="0">
+              <a:buNone/>
+            </a:pPr>
+            <a:r>
+              <a:rPr lang="de-DE" dirty="0" err="1">
+                <a:solidFill>
+                  <a:srgbClr val="569CD6"/>
+                </a:solidFill>
+                <a:latin typeface="Menlo" panose="020B0609030804020204" pitchFamily="49" charset="0"/>
+              </a:rPr>
+              <a:t>float</a:t>
+            </a:r>
+            <a:r>
+              <a:rPr lang="de-DE" dirty="0">
+                <a:solidFill>
+                  <a:srgbClr val="D4D4D4"/>
+                </a:solidFill>
+                <a:latin typeface="Menlo" panose="020B0609030804020204" pitchFamily="49" charset="0"/>
+              </a:rPr>
+              <a:t> </a:t>
+            </a:r>
+            <a:r>
+              <a:rPr lang="de-DE" dirty="0" err="1">
+                <a:solidFill>
+                  <a:schemeClr val="tx1"/>
+                </a:solidFill>
+                <a:latin typeface="Menlo" panose="020B0609030804020204" pitchFamily="49" charset="0"/>
+              </a:rPr>
+              <a:t>rateRoll</a:t>
+            </a:r>
+            <a:r>
+              <a:rPr lang="de-DE" dirty="0">
+                <a:solidFill>
+                  <a:schemeClr val="tx1"/>
+                </a:solidFill>
+                <a:latin typeface="Menlo" panose="020B0609030804020204" pitchFamily="49" charset="0"/>
+              </a:rPr>
+              <a:t>;</a:t>
+            </a:r>
+          </a:p>
+          <a:p>
+            <a:pPr marL="228600" lvl="1" indent="0">
+              <a:buNone/>
+            </a:pPr>
+            <a:r>
+              <a:rPr lang="de-DE" dirty="0" err="1">
+                <a:solidFill>
+                  <a:srgbClr val="569CD6"/>
+                </a:solidFill>
+                <a:latin typeface="Menlo" panose="020B0609030804020204" pitchFamily="49" charset="0"/>
+              </a:rPr>
+              <a:t>float</a:t>
+            </a:r>
+            <a:r>
+              <a:rPr lang="de-DE" dirty="0">
+                <a:solidFill>
+                  <a:srgbClr val="569CD6"/>
+                </a:solidFill>
+                <a:latin typeface="Menlo" panose="020B0609030804020204" pitchFamily="49" charset="0"/>
+              </a:rPr>
+              <a:t> </a:t>
+            </a:r>
+            <a:r>
+              <a:rPr lang="de-DE" dirty="0" err="1">
+                <a:solidFill>
+                  <a:schemeClr val="tx1"/>
+                </a:solidFill>
+                <a:latin typeface="Menlo" panose="020B0609030804020204" pitchFamily="49" charset="0"/>
+              </a:rPr>
+              <a:t>ratePitch</a:t>
+            </a:r>
+            <a:r>
+              <a:rPr lang="de-DE" dirty="0">
+                <a:solidFill>
+                  <a:schemeClr val="tx1"/>
+                </a:solidFill>
+                <a:latin typeface="Menlo" panose="020B0609030804020204" pitchFamily="49" charset="0"/>
+              </a:rPr>
+              <a:t>;</a:t>
+            </a:r>
+          </a:p>
+          <a:p>
+            <a:pPr marL="228600" lvl="1" indent="0">
+              <a:buNone/>
+            </a:pPr>
+            <a:r>
+              <a:rPr lang="de-DE" dirty="0" err="1">
+                <a:solidFill>
+                  <a:srgbClr val="569CD6"/>
+                </a:solidFill>
+                <a:latin typeface="Menlo" panose="020B0609030804020204" pitchFamily="49" charset="0"/>
+              </a:rPr>
+              <a:t>float</a:t>
+            </a:r>
+            <a:r>
+              <a:rPr lang="de-DE" dirty="0">
+                <a:solidFill>
+                  <a:srgbClr val="D4D4D4"/>
+                </a:solidFill>
+                <a:latin typeface="Menlo" panose="020B0609030804020204" pitchFamily="49" charset="0"/>
+              </a:rPr>
+              <a:t> </a:t>
+            </a:r>
+            <a:r>
+              <a:rPr lang="de-DE" dirty="0" err="1">
+                <a:solidFill>
+                  <a:schemeClr val="tx1"/>
+                </a:solidFill>
+                <a:latin typeface="Menlo" panose="020B0609030804020204" pitchFamily="49" charset="0"/>
+              </a:rPr>
+              <a:t>rateYaw</a:t>
+            </a:r>
+            <a:r>
+              <a:rPr lang="de-DE" dirty="0">
+                <a:solidFill>
+                  <a:schemeClr val="tx1"/>
+                </a:solidFill>
+                <a:latin typeface="Menlo" panose="020B0609030804020204" pitchFamily="49" charset="0"/>
+              </a:rPr>
+              <a:t>;</a:t>
+            </a:r>
+          </a:p>
+          <a:p>
+            <a:pPr marL="0" indent="0">
+              <a:buNone/>
+            </a:pPr>
+            <a:r>
+              <a:rPr lang="de-DE" dirty="0">
+                <a:solidFill>
+                  <a:srgbClr val="D4D4D4"/>
+                </a:solidFill>
+                <a:latin typeface="Menlo" panose="020B0609030804020204" pitchFamily="49" charset="0"/>
+              </a:rPr>
+              <a:t>} </a:t>
+            </a:r>
+            <a:r>
+              <a:rPr lang="de-DE" dirty="0" err="1">
+                <a:solidFill>
+                  <a:schemeClr val="tx1"/>
+                </a:solidFill>
+                <a:latin typeface="Menlo" panose="020B0609030804020204" pitchFamily="49" charset="0"/>
+              </a:rPr>
+              <a:t>state</a:t>
+            </a:r>
+            <a:r>
+              <a:rPr lang="de-DE" dirty="0">
+                <a:solidFill>
+                  <a:schemeClr val="tx1"/>
+                </a:solidFill>
+                <a:latin typeface="Menlo" panose="020B0609030804020204" pitchFamily="49" charset="0"/>
+              </a:rPr>
+              <a:t>;</a:t>
+            </a:r>
+          </a:p>
+          <a:p>
+            <a:pPr marL="0" indent="0">
+              <a:buNone/>
+            </a:pPr>
+            <a:endParaRPr lang="de-DE" dirty="0"/>
+          </a:p>
+        </p:txBody>
+      </p:sp>
+    </p:spTree>
+    <p:extLst>
+      <p:ext uri="{BB962C8B-B14F-4D97-AF65-F5344CB8AC3E}">
+        <p14:creationId xmlns:p14="http://schemas.microsoft.com/office/powerpoint/2010/main" val="2246717686"/>
+      </p:ext>
+    </p:extLst>
+  </p:cSld>
+  <p:clrMapOvr>
+    <a:masterClrMapping/>
+  </p:clrMapOvr>
+</p:sld>
+</file>
+
+<file path=ppt/slides/slide6.xml><?xml version="1.0" encoding="utf-8"?>
+<p:sld xmlns:a="http://schemas.openxmlformats.org/drawingml/2006/main" xmlns:r="http://schemas.openxmlformats.org/officeDocument/2006/relationships" xmlns:p="http://schemas.openxmlformats.org/presentationml/2006/main">
+  <p:cSld>
+    <p:spTree>
+      <p:nvGrpSpPr>
+        <p:cNvPr id="1" name=""/>
+        <p:cNvGrpSpPr/>
+        <p:nvPr/>
+      </p:nvGrpSpPr>
+      <p:grpSpPr>
+        <a:xfrm>
+          <a:off x="0" y="0"/>
+          <a:ext cx="0" cy="0"/>
+          <a:chOff x="0" y="0"/>
+          <a:chExt cx="0" cy="0"/>
+        </a:xfrm>
+      </p:grpSpPr>
+      <p:sp>
+        <p:nvSpPr>
+          <p:cNvPr id="2" name="Titel 1">
+            <a:extLst>
+              <a:ext uri="{FF2B5EF4-FFF2-40B4-BE49-F238E27FC236}">
+                <a16:creationId xmlns:a16="http://schemas.microsoft.com/office/drawing/2014/main" id="{BA3027A2-7564-7A4F-B4F8-5EF3DF79167E}"/>
+              </a:ext>
+            </a:extLst>
+          </p:cNvPr>
+          <p:cNvSpPr>
+            <a:spLocks noGrp="1"/>
+          </p:cNvSpPr>
+          <p:nvPr>
+            <p:ph type="title"/>
+          </p:nvPr>
+        </p:nvSpPr>
+        <p:spPr/>
+        <p:txBody>
+          <a:bodyPr/>
+          <a:lstStyle/>
+          <a:p>
+            <a:r>
+              <a:rPr lang="de-DE" dirty="0"/>
+              <a:t>C-code </a:t>
+            </a:r>
+            <a:r>
+              <a:rPr lang="de-DE" dirty="0" err="1"/>
+              <a:t>implementation</a:t>
+            </a:r>
+            <a:br>
+              <a:rPr lang="de-DE" dirty="0"/>
+            </a:br>
+            <a:r>
+              <a:rPr lang="de-DE" dirty="0"/>
+              <a:t>- Main </a:t>
+            </a:r>
+            <a:r>
+              <a:rPr lang="de-DE" dirty="0" err="1"/>
+              <a:t>function</a:t>
+            </a:r>
+            <a:r>
+              <a:rPr lang="de-DE" dirty="0"/>
+              <a:t>-</a:t>
+            </a:r>
+          </a:p>
+        </p:txBody>
+      </p:sp>
+      <p:sp>
+        <p:nvSpPr>
+          <p:cNvPr id="3" name="Inhaltsplatzhalter 2">
+            <a:extLst>
+              <a:ext uri="{FF2B5EF4-FFF2-40B4-BE49-F238E27FC236}">
+                <a16:creationId xmlns:a16="http://schemas.microsoft.com/office/drawing/2014/main" id="{5883414A-B3A6-BE40-8248-C6206154A4F0}"/>
+              </a:ext>
+            </a:extLst>
+          </p:cNvPr>
+          <p:cNvSpPr>
+            <a:spLocks noGrp="1"/>
+          </p:cNvSpPr>
+          <p:nvPr>
+            <p:ph idx="1"/>
+          </p:nvPr>
+        </p:nvSpPr>
+        <p:spPr>
+          <a:xfrm>
+            <a:off x="754027" y="2441094"/>
+            <a:ext cx="7729728" cy="4072245"/>
+          </a:xfrm>
+        </p:spPr>
+        <p:txBody>
+          <a:bodyPr>
+            <a:normAutofit/>
+          </a:bodyPr>
+          <a:lstStyle/>
+          <a:p>
+            <a:pPr marL="0" indent="0">
+              <a:buNone/>
+            </a:pPr>
+            <a:r>
+              <a:rPr lang="de-DE" sz="1600" dirty="0" err="1">
+                <a:solidFill>
+                  <a:srgbClr val="569CD6"/>
+                </a:solidFill>
+                <a:latin typeface="Menlo" panose="020B0609030804020204" pitchFamily="49" charset="0"/>
+              </a:rPr>
+              <a:t>void</a:t>
+            </a:r>
+            <a:r>
+              <a:rPr lang="de-DE" sz="1600" dirty="0">
+                <a:solidFill>
+                  <a:srgbClr val="D4D4D4"/>
+                </a:solidFill>
+                <a:latin typeface="Menlo" panose="020B0609030804020204" pitchFamily="49" charset="0"/>
+              </a:rPr>
+              <a:t> </a:t>
+            </a:r>
+            <a:r>
+              <a:rPr lang="de-DE" sz="1600" dirty="0" err="1">
+                <a:solidFill>
+                  <a:srgbClr val="DCDCAA"/>
+                </a:solidFill>
+                <a:latin typeface="Menlo" panose="020B0609030804020204" pitchFamily="49" charset="0"/>
+              </a:rPr>
+              <a:t>yourCodeInit</a:t>
+            </a:r>
+            <a:r>
+              <a:rPr lang="de-DE" sz="1600" dirty="0">
+                <a:solidFill>
+                  <a:srgbClr val="D4D4D4"/>
+                </a:solidFill>
+                <a:latin typeface="Menlo" panose="020B0609030804020204" pitchFamily="49" charset="0"/>
+              </a:rPr>
+              <a:t>(</a:t>
+            </a:r>
+            <a:r>
+              <a:rPr lang="de-DE" sz="1600" dirty="0" err="1">
+                <a:solidFill>
+                  <a:srgbClr val="569CD6"/>
+                </a:solidFill>
+                <a:latin typeface="Menlo" panose="020B0609030804020204" pitchFamily="49" charset="0"/>
+              </a:rPr>
+              <a:t>void</a:t>
+            </a:r>
+            <a:r>
+              <a:rPr lang="de-DE" sz="1600" dirty="0">
+                <a:solidFill>
+                  <a:srgbClr val="D4D4D4"/>
+                </a:solidFill>
+                <a:latin typeface="Menlo" panose="020B0609030804020204" pitchFamily="49" charset="0"/>
+              </a:rPr>
+              <a:t>)</a:t>
+            </a:r>
+          </a:p>
+          <a:p>
+            <a:pPr marL="0" indent="0">
+              <a:buNone/>
+            </a:pPr>
+            <a:r>
+              <a:rPr lang="de-DE" sz="1600" dirty="0">
+                <a:solidFill>
+                  <a:srgbClr val="D4D4D4"/>
+                </a:solidFill>
+                <a:latin typeface="Menlo" panose="020B0609030804020204" pitchFamily="49" charset="0"/>
+              </a:rPr>
+              <a:t>{</a:t>
+            </a:r>
+          </a:p>
+          <a:p>
+            <a:pPr marL="0" indent="0">
+              <a:buNone/>
+            </a:pPr>
+            <a:r>
+              <a:rPr lang="de-DE" sz="1600" dirty="0">
+                <a:solidFill>
+                  <a:schemeClr val="tx1"/>
+                </a:solidFill>
+                <a:latin typeface="Menlo" panose="020B0609030804020204" pitchFamily="49" charset="0"/>
+              </a:rPr>
+              <a:t>tick</a:t>
+            </a:r>
+            <a:r>
+              <a:rPr lang="de-DE" sz="1600" dirty="0">
+                <a:solidFill>
+                  <a:srgbClr val="D4D4D4"/>
+                </a:solidFill>
+                <a:latin typeface="Menlo" panose="020B0609030804020204" pitchFamily="49" charset="0"/>
+              </a:rPr>
+              <a:t> = </a:t>
+            </a:r>
+            <a:r>
+              <a:rPr lang="de-DE" sz="1600" dirty="0">
+                <a:solidFill>
+                  <a:srgbClr val="B5CEA8"/>
+                </a:solidFill>
+                <a:latin typeface="Menlo" panose="020B0609030804020204" pitchFamily="49" charset="0"/>
+              </a:rPr>
+              <a:t>1</a:t>
+            </a:r>
+            <a:r>
+              <a:rPr lang="de-DE" sz="1600" dirty="0">
+                <a:solidFill>
+                  <a:srgbClr val="D4D4D4"/>
+                </a:solidFill>
+                <a:latin typeface="Menlo" panose="020B0609030804020204" pitchFamily="49" charset="0"/>
+              </a:rPr>
+              <a:t>;</a:t>
+            </a:r>
+          </a:p>
+          <a:p>
+            <a:pPr marL="0" indent="0">
+              <a:buNone/>
+            </a:pPr>
+            <a:r>
+              <a:rPr lang="de-DE" sz="1600" dirty="0" err="1">
+                <a:solidFill>
+                  <a:srgbClr val="9CDCFE"/>
+                </a:solidFill>
+                <a:latin typeface="Menlo" panose="020B0609030804020204" pitchFamily="49" charset="0"/>
+              </a:rPr>
+              <a:t>state</a:t>
+            </a:r>
+            <a:r>
+              <a:rPr lang="de-DE" sz="1600" dirty="0" err="1">
+                <a:solidFill>
+                  <a:srgbClr val="D4D4D4"/>
+                </a:solidFill>
+                <a:latin typeface="Menlo" panose="020B0609030804020204" pitchFamily="49" charset="0"/>
+              </a:rPr>
+              <a:t>.</a:t>
+            </a:r>
+            <a:r>
+              <a:rPr lang="de-DE" sz="1600" dirty="0" err="1">
+                <a:solidFill>
+                  <a:srgbClr val="9CDCFE"/>
+                </a:solidFill>
+                <a:latin typeface="Menlo" panose="020B0609030804020204" pitchFamily="49" charset="0"/>
+              </a:rPr>
+              <a:t>roll</a:t>
+            </a:r>
+            <a:r>
+              <a:rPr lang="de-DE" sz="1600" dirty="0">
+                <a:solidFill>
+                  <a:srgbClr val="D4D4D4"/>
+                </a:solidFill>
+                <a:latin typeface="Menlo" panose="020B0609030804020204" pitchFamily="49" charset="0"/>
+              </a:rPr>
+              <a:t> = </a:t>
+            </a:r>
+            <a:r>
+              <a:rPr lang="de-DE" sz="1600" dirty="0">
+                <a:solidFill>
+                  <a:srgbClr val="B5CEA8"/>
+                </a:solidFill>
+                <a:latin typeface="Menlo" panose="020B0609030804020204" pitchFamily="49" charset="0"/>
+              </a:rPr>
+              <a:t>0.0f</a:t>
+            </a:r>
+            <a:r>
+              <a:rPr lang="de-DE" sz="1600" dirty="0">
+                <a:solidFill>
+                  <a:srgbClr val="D4D4D4"/>
+                </a:solidFill>
+                <a:latin typeface="Menlo" panose="020B0609030804020204" pitchFamily="49" charset="0"/>
+              </a:rPr>
+              <a:t>;</a:t>
+            </a:r>
+          </a:p>
+          <a:p>
+            <a:pPr marL="0" indent="0">
+              <a:buNone/>
+            </a:pPr>
+            <a:r>
+              <a:rPr lang="de-DE" sz="1600" dirty="0" err="1">
+                <a:solidFill>
+                  <a:srgbClr val="9CDCFE"/>
+                </a:solidFill>
+                <a:latin typeface="Menlo" panose="020B0609030804020204" pitchFamily="49" charset="0"/>
+              </a:rPr>
+              <a:t>state</a:t>
+            </a:r>
+            <a:r>
+              <a:rPr lang="de-DE" sz="1600" dirty="0" err="1">
+                <a:solidFill>
+                  <a:srgbClr val="D4D4D4"/>
+                </a:solidFill>
+                <a:latin typeface="Menlo" panose="020B0609030804020204" pitchFamily="49" charset="0"/>
+              </a:rPr>
+              <a:t>.</a:t>
+            </a:r>
+            <a:r>
+              <a:rPr lang="de-DE" sz="1600" dirty="0" err="1">
+                <a:solidFill>
+                  <a:srgbClr val="9CDCFE"/>
+                </a:solidFill>
+                <a:latin typeface="Menlo" panose="020B0609030804020204" pitchFamily="49" charset="0"/>
+              </a:rPr>
+              <a:t>pitch</a:t>
+            </a:r>
+            <a:r>
+              <a:rPr lang="de-DE" sz="1600" dirty="0">
+                <a:solidFill>
+                  <a:srgbClr val="D4D4D4"/>
+                </a:solidFill>
+                <a:latin typeface="Menlo" panose="020B0609030804020204" pitchFamily="49" charset="0"/>
+              </a:rPr>
+              <a:t> = </a:t>
+            </a:r>
+            <a:r>
+              <a:rPr lang="de-DE" sz="1600" dirty="0">
+                <a:solidFill>
+                  <a:srgbClr val="B5CEA8"/>
+                </a:solidFill>
+                <a:latin typeface="Menlo" panose="020B0609030804020204" pitchFamily="49" charset="0"/>
+              </a:rPr>
+              <a:t>0.0f</a:t>
+            </a:r>
+            <a:r>
+              <a:rPr lang="de-DE" sz="1600" dirty="0">
+                <a:solidFill>
+                  <a:srgbClr val="D4D4D4"/>
+                </a:solidFill>
+                <a:latin typeface="Menlo" panose="020B0609030804020204" pitchFamily="49" charset="0"/>
+              </a:rPr>
+              <a:t>;</a:t>
+            </a:r>
+          </a:p>
+          <a:p>
+            <a:pPr marL="0" indent="0">
+              <a:buNone/>
+            </a:pPr>
+            <a:r>
+              <a:rPr lang="de-DE" sz="1600" dirty="0" err="1">
+                <a:solidFill>
+                  <a:schemeClr val="tx1"/>
+                </a:solidFill>
+                <a:latin typeface="Menlo" panose="020B0609030804020204" pitchFamily="49" charset="0"/>
+              </a:rPr>
+              <a:t>filtsema</a:t>
+            </a:r>
+            <a:r>
+              <a:rPr lang="de-DE" sz="1600" dirty="0">
+                <a:solidFill>
+                  <a:srgbClr val="D4D4D4"/>
+                </a:solidFill>
+                <a:latin typeface="Menlo" panose="020B0609030804020204" pitchFamily="49" charset="0"/>
+              </a:rPr>
+              <a:t> = </a:t>
+            </a:r>
+            <a:r>
+              <a:rPr lang="de-DE" sz="1600" dirty="0" err="1">
+                <a:solidFill>
+                  <a:srgbClr val="DCDCAA"/>
+                </a:solidFill>
+                <a:latin typeface="Menlo" panose="020B0609030804020204" pitchFamily="49" charset="0"/>
+              </a:rPr>
+              <a:t>xSemaphoreCreateMutex</a:t>
+            </a:r>
+            <a:r>
+              <a:rPr lang="de-DE" sz="1600" dirty="0">
+                <a:solidFill>
+                  <a:srgbClr val="D4D4D4"/>
+                </a:solidFill>
+                <a:latin typeface="Menlo" panose="020B0609030804020204" pitchFamily="49" charset="0"/>
+              </a:rPr>
+              <a:t>();</a:t>
+            </a:r>
+          </a:p>
+          <a:p>
+            <a:pPr marL="0" indent="0">
+              <a:buNone/>
+            </a:pPr>
+            <a:r>
+              <a:rPr lang="de-DE" sz="1600" dirty="0">
+                <a:solidFill>
+                  <a:srgbClr val="D4D4D4"/>
+                </a:solidFill>
+                <a:latin typeface="Menlo" panose="020B0609030804020204" pitchFamily="49" charset="0"/>
+              </a:rPr>
+              <a:t>  </a:t>
+            </a:r>
+            <a:r>
+              <a:rPr lang="de-DE" sz="1600" dirty="0" err="1">
+                <a:solidFill>
+                  <a:schemeClr val="tx1"/>
+                </a:solidFill>
+                <a:latin typeface="Menlo" panose="020B0609030804020204" pitchFamily="49" charset="0"/>
+              </a:rPr>
+              <a:t>setsema</a:t>
+            </a:r>
+            <a:r>
+              <a:rPr lang="de-DE" sz="1600" dirty="0">
+                <a:solidFill>
+                  <a:srgbClr val="D4D4D4"/>
+                </a:solidFill>
+                <a:latin typeface="Menlo" panose="020B0609030804020204" pitchFamily="49" charset="0"/>
+              </a:rPr>
+              <a:t> = </a:t>
+            </a:r>
+            <a:r>
+              <a:rPr lang="de-DE" sz="1600" dirty="0" err="1">
+                <a:solidFill>
+                  <a:srgbClr val="DCDCAA"/>
+                </a:solidFill>
+                <a:latin typeface="Menlo" panose="020B0609030804020204" pitchFamily="49" charset="0"/>
+              </a:rPr>
+              <a:t>xSemaphoreCreateMutex</a:t>
+            </a:r>
+            <a:r>
+              <a:rPr lang="de-DE" sz="1600" dirty="0">
+                <a:solidFill>
+                  <a:srgbClr val="D4D4D4"/>
+                </a:solidFill>
+                <a:latin typeface="Menlo" panose="020B0609030804020204" pitchFamily="49" charset="0"/>
+              </a:rPr>
+              <a:t>();</a:t>
+            </a:r>
+          </a:p>
+          <a:p>
+            <a:pPr marL="0" indent="0">
+              <a:buNone/>
+            </a:pPr>
+            <a:br>
+              <a:rPr lang="de-DE" sz="1600" dirty="0">
+                <a:solidFill>
+                  <a:srgbClr val="D4D4D4"/>
+                </a:solidFill>
+                <a:latin typeface="Menlo" panose="020B0609030804020204" pitchFamily="49" charset="0"/>
+              </a:rPr>
+            </a:br>
+            <a:endParaRPr lang="de-DE" sz="1600" dirty="0"/>
+          </a:p>
+        </p:txBody>
+      </p:sp>
+      <p:sp>
+        <p:nvSpPr>
+          <p:cNvPr id="4" name="Inhaltsplatzhalter 2">
+            <a:extLst>
+              <a:ext uri="{FF2B5EF4-FFF2-40B4-BE49-F238E27FC236}">
+                <a16:creationId xmlns:a16="http://schemas.microsoft.com/office/drawing/2014/main" id="{622E6183-A73A-4F43-8B05-DF2E45162898}"/>
+              </a:ext>
+            </a:extLst>
+          </p:cNvPr>
+          <p:cNvSpPr txBox="1">
+            <a:spLocks/>
+          </p:cNvSpPr>
+          <p:nvPr/>
+        </p:nvSpPr>
+        <p:spPr>
+          <a:xfrm>
+            <a:off x="6096000" y="3144478"/>
+            <a:ext cx="7729728" cy="4072245"/>
+          </a:xfrm>
+          <a:prstGeom prst="rect">
+            <a:avLst/>
+          </a:prstGeom>
+        </p:spPr>
+        <p:txBody>
+          <a:bodyPr vert="horz" lIns="91440" tIns="45720" rIns="91440" bIns="45720" rtlCol="0">
+            <a:normAutofit/>
+          </a:bodyPr>
+          <a:lstStyle>
+            <a:lvl1pPr marL="228600" indent="-228600" algn="l" defTabSz="914400" rtl="0" eaLnBrk="1" latinLnBrk="0" hangingPunct="1">
+              <a:lnSpc>
+                <a:spcPct val="100000"/>
+              </a:lnSpc>
+              <a:spcBef>
+                <a:spcPts val="1000"/>
+              </a:spcBef>
+              <a:buClr>
+                <a:schemeClr val="accent2"/>
+              </a:buClr>
+              <a:buFont typeface="Arial" panose="020B0604020202020204" pitchFamily="34" charset="0"/>
+              <a:buChar char="•"/>
+              <a:defRPr sz="1800" kern="1200">
+                <a:solidFill>
+                  <a:schemeClr val="tx1">
+                    <a:lumMod val="85000"/>
+                    <a:lumOff val="15000"/>
+                  </a:schemeClr>
+                </a:solidFill>
+                <a:latin typeface="+mn-lt"/>
+                <a:ea typeface="+mn-ea"/>
+                <a:cs typeface="+mn-cs"/>
+              </a:defRPr>
+            </a:lvl1pPr>
+            <a:lvl2pPr marL="457200" indent="-228600" algn="l" defTabSz="914400" rtl="0" eaLnBrk="1" latinLnBrk="0" hangingPunct="1">
+              <a:lnSpc>
+                <a:spcPct val="100000"/>
+              </a:lnSpc>
+              <a:spcBef>
+                <a:spcPts val="1000"/>
+              </a:spcBef>
+              <a:buClr>
+                <a:schemeClr val="accent2"/>
+              </a:buClr>
+              <a:buFont typeface="Arial" panose="020B0604020202020204" pitchFamily="34" charset="0"/>
+              <a:buChar char="•"/>
+              <a:defRPr sz="1600" kern="1200">
+                <a:solidFill>
+                  <a:schemeClr val="tx1">
+                    <a:lumMod val="85000"/>
+                    <a:lumOff val="15000"/>
+                  </a:schemeClr>
+                </a:solidFill>
+                <a:latin typeface="+mn-lt"/>
+                <a:ea typeface="+mn-ea"/>
+                <a:cs typeface="+mn-cs"/>
+              </a:defRPr>
+            </a:lvl2pPr>
+            <a:lvl3pPr marL="685800" indent="-228600" algn="l" defTabSz="914400" rtl="0" eaLnBrk="1" latinLnBrk="0" hangingPunct="1">
+              <a:lnSpc>
+                <a:spcPct val="100000"/>
+              </a:lnSpc>
+              <a:spcBef>
+                <a:spcPts val="1000"/>
+              </a:spcBef>
+              <a:buClr>
+                <a:schemeClr val="accent2"/>
+              </a:buClr>
+              <a:buFont typeface="Arial" panose="020B0604020202020204" pitchFamily="34" charset="0"/>
+              <a:buChar char="•"/>
+              <a:defRPr sz="1600" kern="1200">
+                <a:solidFill>
+                  <a:schemeClr val="tx1">
+                    <a:lumMod val="85000"/>
+                    <a:lumOff val="15000"/>
+                  </a:schemeClr>
+                </a:solidFill>
+                <a:latin typeface="+mn-lt"/>
+                <a:ea typeface="+mn-ea"/>
+                <a:cs typeface="+mn-cs"/>
+              </a:defRPr>
+            </a:lvl3pPr>
+            <a:lvl4pPr marL="914400" indent="-228600" algn="l" defTabSz="914400" rtl="0" eaLnBrk="1" latinLnBrk="0" hangingPunct="1">
+              <a:lnSpc>
+                <a:spcPct val="100000"/>
+              </a:lnSpc>
+              <a:spcBef>
+                <a:spcPts val="1000"/>
+              </a:spcBef>
+              <a:buClr>
+                <a:schemeClr val="accent2"/>
+              </a:buClr>
+              <a:buFont typeface="Arial" panose="020B0604020202020204" pitchFamily="34" charset="0"/>
+              <a:buChar char="•"/>
+              <a:defRPr sz="1600" kern="1200">
+                <a:solidFill>
+                  <a:schemeClr val="tx1">
+                    <a:lumMod val="85000"/>
+                    <a:lumOff val="15000"/>
+                  </a:schemeClr>
+                </a:solidFill>
+                <a:latin typeface="+mn-lt"/>
+                <a:ea typeface="+mn-ea"/>
+                <a:cs typeface="+mn-cs"/>
+              </a:defRPr>
+            </a:lvl4pPr>
+            <a:lvl5pPr marL="1143000" indent="-228600" algn="l" defTabSz="914400" rtl="0" eaLnBrk="1" latinLnBrk="0" hangingPunct="1">
+              <a:lnSpc>
+                <a:spcPct val="100000"/>
+              </a:lnSpc>
+              <a:spcBef>
+                <a:spcPts val="1000"/>
+              </a:spcBef>
+              <a:buClr>
+                <a:schemeClr val="accent2"/>
+              </a:buClr>
+              <a:buFont typeface="Arial" panose="020B0604020202020204" pitchFamily="34" charset="0"/>
+              <a:buChar char="•"/>
+              <a:defRPr sz="1600" kern="1200">
+                <a:solidFill>
+                  <a:schemeClr val="tx1">
+                    <a:lumMod val="85000"/>
+                    <a:lumOff val="15000"/>
+                  </a:schemeClr>
+                </a:solidFill>
+                <a:latin typeface="+mn-lt"/>
+                <a:ea typeface="+mn-ea"/>
+                <a:cs typeface="+mn-cs"/>
+              </a:defRPr>
+            </a:lvl5pPr>
+            <a:lvl6pPr marL="1312863" indent="-228600" algn="l" defTabSz="914400" rtl="0" eaLnBrk="1" latinLnBrk="0" hangingPunct="1">
+              <a:lnSpc>
+                <a:spcPct val="100000"/>
+              </a:lnSpc>
+              <a:spcBef>
+                <a:spcPts val="1000"/>
+              </a:spcBef>
+              <a:buClr>
+                <a:schemeClr val="accent2"/>
+              </a:buClr>
+              <a:buFont typeface="Arial" panose="020B0604020202020204" pitchFamily="34" charset="0"/>
+              <a:buChar char="•"/>
+              <a:defRPr sz="1600" kern="1200">
+                <a:solidFill>
+                  <a:schemeClr val="tx1"/>
+                </a:solidFill>
+                <a:latin typeface="+mn-lt"/>
+                <a:ea typeface="+mn-ea"/>
+                <a:cs typeface="+mn-cs"/>
+              </a:defRPr>
+            </a:lvl6pPr>
+            <a:lvl7pPr marL="1484313" indent="-228600" algn="l" defTabSz="914400" rtl="0" eaLnBrk="1" latinLnBrk="0" hangingPunct="1">
+              <a:lnSpc>
+                <a:spcPct val="100000"/>
+              </a:lnSpc>
+              <a:spcBef>
+                <a:spcPts val="1000"/>
+              </a:spcBef>
+              <a:buClr>
+                <a:schemeClr val="accent2"/>
+              </a:buClr>
+              <a:buFont typeface="Arial" panose="020B0604020202020204" pitchFamily="34" charset="0"/>
+              <a:buChar char="•"/>
+              <a:defRPr sz="1600" kern="1200">
+                <a:solidFill>
+                  <a:schemeClr val="tx1"/>
+                </a:solidFill>
+                <a:latin typeface="+mn-lt"/>
+                <a:ea typeface="+mn-ea"/>
+                <a:cs typeface="+mn-cs"/>
+              </a:defRPr>
+            </a:lvl7pPr>
+            <a:lvl8pPr marL="1657350" indent="-228600" algn="l" defTabSz="914400" rtl="0" eaLnBrk="1" latinLnBrk="0" hangingPunct="1">
+              <a:lnSpc>
+                <a:spcPct val="100000"/>
+              </a:lnSpc>
+              <a:spcBef>
+                <a:spcPts val="1000"/>
+              </a:spcBef>
+              <a:buClr>
+                <a:schemeClr val="accent2"/>
+              </a:buClr>
+              <a:buFont typeface="Arial" panose="020B0604020202020204" pitchFamily="34" charset="0"/>
+              <a:buChar char="•"/>
+              <a:defRPr sz="1600" kern="1200" baseline="0">
+                <a:solidFill>
+                  <a:schemeClr val="tx1"/>
+                </a:solidFill>
+                <a:latin typeface="+mn-lt"/>
+                <a:ea typeface="+mn-ea"/>
+                <a:cs typeface="+mn-cs"/>
+              </a:defRPr>
+            </a:lvl8pPr>
+            <a:lvl9pPr marL="1882775" indent="-228600" algn="l" defTabSz="914400" rtl="0" eaLnBrk="1" latinLnBrk="0" hangingPunct="1">
+              <a:lnSpc>
+                <a:spcPct val="100000"/>
+              </a:lnSpc>
+              <a:spcBef>
+                <a:spcPts val="1000"/>
+              </a:spcBef>
+              <a:buClr>
+                <a:schemeClr val="accent2"/>
+              </a:buClr>
+              <a:buFont typeface="Arial" panose="020B0604020202020204" pitchFamily="34" charset="0"/>
+              <a:buChar char="•"/>
+              <a:defRPr sz="1600" kern="1200" baseline="0">
+                <a:solidFill>
+                  <a:schemeClr val="tx1"/>
+                </a:solidFill>
+                <a:latin typeface="+mn-lt"/>
+                <a:ea typeface="+mn-ea"/>
+                <a:cs typeface="+mn-cs"/>
+              </a:defRPr>
+            </a:lvl9pPr>
+          </a:lstStyle>
+          <a:p>
+            <a:pPr marL="0" indent="0">
+              <a:buFont typeface="Arial" panose="020B0604020202020204" pitchFamily="34" charset="0"/>
+              <a:buNone/>
+            </a:pPr>
+            <a:r>
+              <a:rPr lang="de-DE" sz="1600" dirty="0" err="1">
+                <a:solidFill>
+                  <a:srgbClr val="DCDCAA"/>
+                </a:solidFill>
+                <a:latin typeface="Menlo" panose="020B0609030804020204" pitchFamily="49" charset="0"/>
+              </a:rPr>
+              <a:t>xTaskCreate</a:t>
+            </a:r>
+            <a:r>
+              <a:rPr lang="de-DE" sz="1600" dirty="0">
+                <a:solidFill>
+                  <a:srgbClr val="D4D4D4"/>
+                </a:solidFill>
+                <a:latin typeface="Menlo" panose="020B0609030804020204" pitchFamily="49" charset="0"/>
+              </a:rPr>
+              <a:t>(</a:t>
+            </a:r>
+            <a:r>
+              <a:rPr lang="de-DE" sz="1600" dirty="0" err="1">
+                <a:solidFill>
+                  <a:schemeClr val="tx1"/>
+                </a:solidFill>
+                <a:latin typeface="Menlo" panose="020B0609030804020204" pitchFamily="49" charset="0"/>
+              </a:rPr>
+              <a:t>comp_filter</a:t>
+            </a:r>
+            <a:r>
+              <a:rPr lang="de-DE" sz="1600" dirty="0">
+                <a:solidFill>
+                  <a:srgbClr val="D4D4D4"/>
+                </a:solidFill>
+                <a:latin typeface="Menlo" panose="020B0609030804020204" pitchFamily="49" charset="0"/>
+              </a:rPr>
+              <a:t>, </a:t>
+            </a:r>
+            <a:r>
+              <a:rPr lang="de-DE" sz="1600" dirty="0">
+                <a:solidFill>
+                  <a:srgbClr val="CE9178"/>
+                </a:solidFill>
+                <a:latin typeface="Menlo" panose="020B0609030804020204" pitchFamily="49" charset="0"/>
+              </a:rPr>
+              <a:t>"FILTER"</a:t>
+            </a:r>
+            <a:r>
+              <a:rPr lang="de-DE" sz="1600" dirty="0">
+                <a:solidFill>
+                  <a:srgbClr val="D4D4D4"/>
+                </a:solidFill>
+                <a:latin typeface="Menlo" panose="020B0609030804020204" pitchFamily="49" charset="0"/>
+              </a:rPr>
+              <a:t>,</a:t>
+            </a:r>
+          </a:p>
+          <a:p>
+            <a:pPr marL="0" indent="0">
+              <a:buFont typeface="Arial" panose="020B0604020202020204" pitchFamily="34" charset="0"/>
+              <a:buNone/>
+            </a:pPr>
+            <a:r>
+              <a:rPr lang="de-DE" sz="1600" dirty="0">
+                <a:solidFill>
+                  <a:srgbClr val="D4D4D4"/>
+                </a:solidFill>
+                <a:latin typeface="Menlo" panose="020B0609030804020204" pitchFamily="49" charset="0"/>
+              </a:rPr>
+              <a:t>(</a:t>
+            </a:r>
+            <a:r>
+              <a:rPr lang="de-DE" sz="1600" dirty="0">
+                <a:solidFill>
+                  <a:srgbClr val="B5CEA8"/>
+                </a:solidFill>
+                <a:latin typeface="Menlo" panose="020B0609030804020204" pitchFamily="49" charset="0"/>
+              </a:rPr>
+              <a:t>3</a:t>
+            </a:r>
+            <a:r>
+              <a:rPr lang="de-DE" sz="1600" dirty="0">
+                <a:solidFill>
+                  <a:srgbClr val="D4D4D4"/>
+                </a:solidFill>
+                <a:latin typeface="Menlo" panose="020B0609030804020204" pitchFamily="49" charset="0"/>
+              </a:rPr>
+              <a:t> * </a:t>
+            </a:r>
+            <a:r>
+              <a:rPr lang="de-DE" sz="1600" dirty="0" err="1">
+                <a:solidFill>
+                  <a:schemeClr val="tx1"/>
+                </a:solidFill>
+                <a:latin typeface="Menlo" panose="020B0609030804020204" pitchFamily="49" charset="0"/>
+              </a:rPr>
+              <a:t>configMINIMAL_STACK_SIZE</a:t>
+            </a:r>
+            <a:r>
+              <a:rPr lang="de-DE" sz="1600" dirty="0">
+                <a:solidFill>
+                  <a:srgbClr val="D4D4D4"/>
+                </a:solidFill>
+                <a:latin typeface="Menlo" panose="020B0609030804020204" pitchFamily="49" charset="0"/>
+              </a:rPr>
+              <a:t>), </a:t>
+            </a:r>
+            <a:r>
+              <a:rPr lang="de-DE" sz="1600" dirty="0">
+                <a:solidFill>
+                  <a:srgbClr val="569CD6"/>
+                </a:solidFill>
+                <a:latin typeface="Menlo" panose="020B0609030804020204" pitchFamily="49" charset="0"/>
+              </a:rPr>
+              <a:t>NULL</a:t>
+            </a:r>
+            <a:r>
+              <a:rPr lang="de-DE" sz="1600" dirty="0">
+                <a:solidFill>
+                  <a:srgbClr val="D4D4D4"/>
+                </a:solidFill>
+                <a:latin typeface="Menlo" panose="020B0609030804020204" pitchFamily="49" charset="0"/>
+              </a:rPr>
+              <a:t>, </a:t>
+            </a:r>
+            <a:r>
+              <a:rPr lang="de-DE" sz="1600" dirty="0">
+                <a:solidFill>
+                  <a:srgbClr val="B5CEA8"/>
+                </a:solidFill>
+                <a:latin typeface="Menlo" panose="020B0609030804020204" pitchFamily="49" charset="0"/>
+              </a:rPr>
+              <a:t>3</a:t>
+            </a:r>
+            <a:r>
+              <a:rPr lang="de-DE" sz="1600" dirty="0">
+                <a:solidFill>
+                  <a:srgbClr val="D4D4D4"/>
+                </a:solidFill>
+                <a:latin typeface="Menlo" panose="020B0609030804020204" pitchFamily="49" charset="0"/>
+              </a:rPr>
+              <a:t>, </a:t>
+            </a:r>
+            <a:r>
+              <a:rPr lang="de-DE" sz="1600" dirty="0">
+                <a:solidFill>
+                  <a:srgbClr val="569CD6"/>
+                </a:solidFill>
+                <a:latin typeface="Menlo" panose="020B0609030804020204" pitchFamily="49" charset="0"/>
+              </a:rPr>
+              <a:t>NULL</a:t>
+            </a:r>
+            <a:r>
+              <a:rPr lang="de-DE" sz="1600" dirty="0">
+                <a:solidFill>
+                  <a:srgbClr val="D4D4D4"/>
+                </a:solidFill>
+                <a:latin typeface="Menlo" panose="020B0609030804020204" pitchFamily="49" charset="0"/>
+              </a:rPr>
+              <a:t>);</a:t>
+            </a:r>
+          </a:p>
+          <a:p>
+            <a:pPr marL="0" indent="0">
+              <a:buFont typeface="Arial" panose="020B0604020202020204" pitchFamily="34" charset="0"/>
+              <a:buNone/>
+            </a:pPr>
+            <a:r>
+              <a:rPr lang="de-DE" sz="1600" dirty="0" err="1">
+                <a:solidFill>
+                  <a:srgbClr val="DCDCAA"/>
+                </a:solidFill>
+                <a:latin typeface="Menlo" panose="020B0609030804020204" pitchFamily="49" charset="0"/>
+              </a:rPr>
+              <a:t>xTaskCreate</a:t>
+            </a:r>
+            <a:r>
+              <a:rPr lang="de-DE" sz="1600" dirty="0">
+                <a:solidFill>
+                  <a:srgbClr val="D4D4D4"/>
+                </a:solidFill>
+                <a:latin typeface="Menlo" panose="020B0609030804020204" pitchFamily="49" charset="0"/>
+              </a:rPr>
+              <a:t>(</a:t>
+            </a:r>
+            <a:r>
+              <a:rPr lang="de-DE" sz="1600" dirty="0" err="1">
+                <a:solidFill>
+                  <a:schemeClr val="tx1"/>
+                </a:solidFill>
+                <a:latin typeface="Menlo" panose="020B0609030804020204" pitchFamily="49" charset="0"/>
+              </a:rPr>
+              <a:t>setPointtrack</a:t>
+            </a:r>
+            <a:r>
+              <a:rPr lang="de-DE" sz="1600" dirty="0">
+                <a:solidFill>
+                  <a:srgbClr val="D4D4D4"/>
+                </a:solidFill>
+                <a:latin typeface="Menlo" panose="020B0609030804020204" pitchFamily="49" charset="0"/>
+              </a:rPr>
+              <a:t>, </a:t>
+            </a:r>
+            <a:r>
+              <a:rPr lang="de-DE" sz="1600" dirty="0">
+                <a:solidFill>
+                  <a:srgbClr val="CE9178"/>
+                </a:solidFill>
+                <a:latin typeface="Menlo" panose="020B0609030804020204" pitchFamily="49" charset="0"/>
+              </a:rPr>
+              <a:t>"SETPOINT"</a:t>
+            </a:r>
+            <a:r>
+              <a:rPr lang="de-DE" sz="1600" dirty="0">
+                <a:solidFill>
+                  <a:srgbClr val="D4D4D4"/>
+                </a:solidFill>
+                <a:latin typeface="Menlo" panose="020B0609030804020204" pitchFamily="49" charset="0"/>
+              </a:rPr>
+              <a:t>,</a:t>
+            </a:r>
+          </a:p>
+          <a:p>
+            <a:pPr marL="0" indent="0">
+              <a:buFont typeface="Arial" panose="020B0604020202020204" pitchFamily="34" charset="0"/>
+              <a:buNone/>
+            </a:pPr>
+            <a:r>
+              <a:rPr lang="de-DE" sz="1600" dirty="0">
+                <a:solidFill>
+                  <a:srgbClr val="D4D4D4"/>
+                </a:solidFill>
+                <a:latin typeface="Menlo" panose="020B0609030804020204" pitchFamily="49" charset="0"/>
+              </a:rPr>
+              <a:t>(</a:t>
+            </a:r>
+            <a:r>
+              <a:rPr lang="de-DE" sz="1600" dirty="0">
+                <a:solidFill>
+                  <a:srgbClr val="B5CEA8"/>
+                </a:solidFill>
+                <a:latin typeface="Menlo" panose="020B0609030804020204" pitchFamily="49" charset="0"/>
+              </a:rPr>
+              <a:t>3</a:t>
+            </a:r>
+            <a:r>
+              <a:rPr lang="de-DE" sz="1600" dirty="0">
+                <a:solidFill>
+                  <a:srgbClr val="D4D4D4"/>
+                </a:solidFill>
+                <a:latin typeface="Menlo" panose="020B0609030804020204" pitchFamily="49" charset="0"/>
+              </a:rPr>
+              <a:t> * </a:t>
+            </a:r>
+            <a:r>
+              <a:rPr lang="de-DE" sz="1600" dirty="0" err="1">
+                <a:solidFill>
+                  <a:schemeClr val="tx1"/>
+                </a:solidFill>
+                <a:latin typeface="Menlo" panose="020B0609030804020204" pitchFamily="49" charset="0"/>
+              </a:rPr>
+              <a:t>configMINIMAL_STACK_SIZE</a:t>
+            </a:r>
+            <a:r>
+              <a:rPr lang="de-DE" sz="1600" dirty="0">
+                <a:solidFill>
+                  <a:srgbClr val="D4D4D4"/>
+                </a:solidFill>
+                <a:latin typeface="Menlo" panose="020B0609030804020204" pitchFamily="49" charset="0"/>
+              </a:rPr>
+              <a:t>), </a:t>
+            </a:r>
+            <a:r>
+              <a:rPr lang="de-DE" sz="1600" dirty="0">
+                <a:solidFill>
+                  <a:srgbClr val="569CD6"/>
+                </a:solidFill>
+                <a:latin typeface="Menlo" panose="020B0609030804020204" pitchFamily="49" charset="0"/>
+              </a:rPr>
+              <a:t>NULL</a:t>
+            </a:r>
+            <a:r>
+              <a:rPr lang="de-DE" sz="1600" dirty="0">
+                <a:solidFill>
+                  <a:srgbClr val="D4D4D4"/>
+                </a:solidFill>
+                <a:latin typeface="Menlo" panose="020B0609030804020204" pitchFamily="49" charset="0"/>
+              </a:rPr>
+              <a:t>, </a:t>
+            </a:r>
+            <a:r>
+              <a:rPr lang="de-DE" sz="1600" dirty="0">
+                <a:solidFill>
+                  <a:srgbClr val="B5CEA8"/>
+                </a:solidFill>
+                <a:latin typeface="Menlo" panose="020B0609030804020204" pitchFamily="49" charset="0"/>
+              </a:rPr>
+              <a:t>1</a:t>
+            </a:r>
+            <a:r>
+              <a:rPr lang="de-DE" sz="1600" dirty="0">
+                <a:solidFill>
+                  <a:srgbClr val="D4D4D4"/>
+                </a:solidFill>
+                <a:latin typeface="Menlo" panose="020B0609030804020204" pitchFamily="49" charset="0"/>
+              </a:rPr>
+              <a:t>, </a:t>
+            </a:r>
+            <a:r>
+              <a:rPr lang="de-DE" sz="1600" dirty="0">
+                <a:solidFill>
+                  <a:srgbClr val="569CD6"/>
+                </a:solidFill>
+                <a:latin typeface="Menlo" panose="020B0609030804020204" pitchFamily="49" charset="0"/>
+              </a:rPr>
+              <a:t>NULL</a:t>
+            </a:r>
+            <a:r>
+              <a:rPr lang="de-DE" sz="1600" dirty="0">
+                <a:solidFill>
+                  <a:srgbClr val="D4D4D4"/>
+                </a:solidFill>
+                <a:latin typeface="Menlo" panose="020B0609030804020204" pitchFamily="49" charset="0"/>
+              </a:rPr>
+              <a:t>);</a:t>
+            </a:r>
+          </a:p>
+          <a:p>
+            <a:pPr marL="0" indent="0">
+              <a:buFont typeface="Arial" panose="020B0604020202020204" pitchFamily="34" charset="0"/>
+              <a:buNone/>
+            </a:pPr>
+            <a:r>
+              <a:rPr lang="de-DE" sz="1600" dirty="0" err="1">
+                <a:solidFill>
+                  <a:srgbClr val="DCDCAA"/>
+                </a:solidFill>
+                <a:latin typeface="Menlo" panose="020B0609030804020204" pitchFamily="49" charset="0"/>
+              </a:rPr>
+              <a:t>xTaskCreate</a:t>
+            </a:r>
+            <a:r>
+              <a:rPr lang="de-DE" sz="1600" dirty="0">
+                <a:solidFill>
+                  <a:srgbClr val="D4D4D4"/>
+                </a:solidFill>
+                <a:latin typeface="Menlo" panose="020B0609030804020204" pitchFamily="49" charset="0"/>
+              </a:rPr>
+              <a:t>(</a:t>
+            </a:r>
+            <a:r>
+              <a:rPr lang="de-DE" sz="1600" dirty="0" err="1">
+                <a:solidFill>
+                  <a:schemeClr val="tx1"/>
+                </a:solidFill>
+                <a:latin typeface="Menlo" panose="020B0609030804020204" pitchFamily="49" charset="0"/>
+              </a:rPr>
+              <a:t>controller</a:t>
+            </a:r>
+            <a:r>
+              <a:rPr lang="de-DE" sz="1600" dirty="0">
+                <a:solidFill>
+                  <a:srgbClr val="D4D4D4"/>
+                </a:solidFill>
+                <a:latin typeface="Menlo" panose="020B0609030804020204" pitchFamily="49" charset="0"/>
+              </a:rPr>
+              <a:t>, </a:t>
+            </a:r>
+            <a:r>
+              <a:rPr lang="de-DE" sz="1600" dirty="0">
+                <a:solidFill>
+                  <a:srgbClr val="CE9178"/>
+                </a:solidFill>
+                <a:latin typeface="Menlo" panose="020B0609030804020204" pitchFamily="49" charset="0"/>
+              </a:rPr>
+              <a:t>"CONTROL"</a:t>
+            </a:r>
+            <a:r>
+              <a:rPr lang="de-DE" sz="1600" dirty="0">
+                <a:solidFill>
+                  <a:srgbClr val="D4D4D4"/>
+                </a:solidFill>
+                <a:latin typeface="Menlo" panose="020B0609030804020204" pitchFamily="49" charset="0"/>
+              </a:rPr>
+              <a:t>,</a:t>
+            </a:r>
+          </a:p>
+          <a:p>
+            <a:pPr marL="0" indent="0">
+              <a:buFont typeface="Arial" panose="020B0604020202020204" pitchFamily="34" charset="0"/>
+              <a:buNone/>
+            </a:pPr>
+            <a:r>
+              <a:rPr lang="de-DE" sz="1600" dirty="0">
+                <a:solidFill>
+                  <a:srgbClr val="D4D4D4"/>
+                </a:solidFill>
+                <a:latin typeface="Menlo" panose="020B0609030804020204" pitchFamily="49" charset="0"/>
+              </a:rPr>
+              <a:t>(</a:t>
+            </a:r>
+            <a:r>
+              <a:rPr lang="de-DE" sz="1600" dirty="0">
+                <a:solidFill>
+                  <a:srgbClr val="B5CEA8"/>
+                </a:solidFill>
+                <a:latin typeface="Menlo" panose="020B0609030804020204" pitchFamily="49" charset="0"/>
+              </a:rPr>
+              <a:t>3</a:t>
+            </a:r>
+            <a:r>
+              <a:rPr lang="de-DE" sz="1600" dirty="0">
+                <a:solidFill>
+                  <a:srgbClr val="D4D4D4"/>
+                </a:solidFill>
+                <a:latin typeface="Menlo" panose="020B0609030804020204" pitchFamily="49" charset="0"/>
+              </a:rPr>
+              <a:t> * </a:t>
+            </a:r>
+            <a:r>
+              <a:rPr lang="de-DE" sz="1600" dirty="0" err="1">
+                <a:solidFill>
+                  <a:schemeClr val="tx1"/>
+                </a:solidFill>
+                <a:latin typeface="Menlo" panose="020B0609030804020204" pitchFamily="49" charset="0"/>
+              </a:rPr>
+              <a:t>configMINIMAL_STACK_SIZE</a:t>
+            </a:r>
+            <a:r>
+              <a:rPr lang="de-DE" sz="1600" dirty="0">
+                <a:solidFill>
+                  <a:srgbClr val="D4D4D4"/>
+                </a:solidFill>
+                <a:latin typeface="Menlo" panose="020B0609030804020204" pitchFamily="49" charset="0"/>
+              </a:rPr>
+              <a:t>), </a:t>
+            </a:r>
+            <a:r>
+              <a:rPr lang="de-DE" sz="1600" dirty="0">
+                <a:solidFill>
+                  <a:srgbClr val="569CD6"/>
+                </a:solidFill>
+                <a:latin typeface="Menlo" panose="020B0609030804020204" pitchFamily="49" charset="0"/>
+              </a:rPr>
+              <a:t>NULL</a:t>
+            </a:r>
+            <a:r>
+              <a:rPr lang="de-DE" sz="1600" dirty="0">
+                <a:solidFill>
+                  <a:srgbClr val="D4D4D4"/>
+                </a:solidFill>
+                <a:latin typeface="Menlo" panose="020B0609030804020204" pitchFamily="49" charset="0"/>
+              </a:rPr>
+              <a:t>, </a:t>
+            </a:r>
+            <a:r>
+              <a:rPr lang="de-DE" sz="1600" dirty="0">
+                <a:solidFill>
+                  <a:srgbClr val="B5CEA8"/>
+                </a:solidFill>
+                <a:latin typeface="Menlo" panose="020B0609030804020204" pitchFamily="49" charset="0"/>
+              </a:rPr>
+              <a:t>2</a:t>
+            </a:r>
+            <a:r>
+              <a:rPr lang="de-DE" sz="1600" dirty="0">
+                <a:solidFill>
+                  <a:srgbClr val="D4D4D4"/>
+                </a:solidFill>
+                <a:latin typeface="Menlo" panose="020B0609030804020204" pitchFamily="49" charset="0"/>
+              </a:rPr>
+              <a:t>, </a:t>
+            </a:r>
+            <a:r>
+              <a:rPr lang="de-DE" sz="1600" dirty="0">
+                <a:solidFill>
+                  <a:srgbClr val="569CD6"/>
+                </a:solidFill>
+                <a:latin typeface="Menlo" panose="020B0609030804020204" pitchFamily="49" charset="0"/>
+              </a:rPr>
+              <a:t>NULL</a:t>
+            </a:r>
+            <a:r>
+              <a:rPr lang="de-DE" sz="1600" dirty="0">
+                <a:solidFill>
+                  <a:srgbClr val="D4D4D4"/>
+                </a:solidFill>
+                <a:latin typeface="Menlo" panose="020B0609030804020204" pitchFamily="49" charset="0"/>
+              </a:rPr>
+              <a:t>);</a:t>
+            </a:r>
+          </a:p>
+          <a:p>
+            <a:pPr marL="0" indent="0">
+              <a:buFont typeface="Arial" panose="020B0604020202020204" pitchFamily="34" charset="0"/>
+              <a:buNone/>
+            </a:pPr>
+            <a:r>
+              <a:rPr lang="de-DE" sz="1600" dirty="0">
+                <a:solidFill>
+                  <a:srgbClr val="D4D4D4"/>
+                </a:solidFill>
+                <a:latin typeface="Menlo" panose="020B0609030804020204" pitchFamily="49" charset="0"/>
+              </a:rPr>
+              <a:t>}</a:t>
+            </a:r>
+          </a:p>
+          <a:p>
+            <a:pPr marL="0" indent="0">
+              <a:buFont typeface="Arial" panose="020B0604020202020204" pitchFamily="34" charset="0"/>
+              <a:buNone/>
+            </a:pPr>
+            <a:endParaRPr lang="de-DE" sz="1600" dirty="0"/>
+          </a:p>
+        </p:txBody>
+      </p:sp>
+    </p:spTree>
+    <p:extLst>
+      <p:ext uri="{BB962C8B-B14F-4D97-AF65-F5344CB8AC3E}">
+        <p14:creationId xmlns:p14="http://schemas.microsoft.com/office/powerpoint/2010/main" val="331199780"/>
+      </p:ext>
+    </p:extLst>
+  </p:cSld>
+  <p:clrMapOvr>
+    <a:masterClrMapping/>
+  </p:clrMapOvr>
+</p:sld>
+</file>
+
+<file path=ppt/slides/slide7.xml><?xml version="1.0" encoding="utf-8"?>
+<p:sld xmlns:a="http://schemas.openxmlformats.org/drawingml/2006/main" xmlns:r="http://schemas.openxmlformats.org/officeDocument/2006/relationships" xmlns:p="http://schemas.openxmlformats.org/presentationml/2006/main">
+  <p:cSld>
+    <p:spTree>
+      <p:nvGrpSpPr>
+        <p:cNvPr id="1" name=""/>
+        <p:cNvGrpSpPr/>
+        <p:nvPr/>
+      </p:nvGrpSpPr>
+      <p:grpSpPr>
+        <a:xfrm>
+          <a:off x="0" y="0"/>
+          <a:ext cx="0" cy="0"/>
+          <a:chOff x="0" y="0"/>
+          <a:chExt cx="0" cy="0"/>
+        </a:xfrm>
+      </p:grpSpPr>
+      <p:sp>
+        <p:nvSpPr>
+          <p:cNvPr id="2" name="Titel 1">
+            <a:extLst>
+              <a:ext uri="{FF2B5EF4-FFF2-40B4-BE49-F238E27FC236}">
+                <a16:creationId xmlns:a16="http://schemas.microsoft.com/office/drawing/2014/main" id="{BA3027A2-7564-7A4F-B4F8-5EF3DF79167E}"/>
+              </a:ext>
+            </a:extLst>
+          </p:cNvPr>
+          <p:cNvSpPr>
+            <a:spLocks noGrp="1"/>
+          </p:cNvSpPr>
+          <p:nvPr>
+            <p:ph type="title"/>
+          </p:nvPr>
+        </p:nvSpPr>
+        <p:spPr/>
+        <p:txBody>
+          <a:bodyPr/>
+          <a:lstStyle/>
+          <a:p>
+            <a:r>
+              <a:rPr lang="de-DE" dirty="0"/>
+              <a:t>C-code </a:t>
+            </a:r>
+            <a:r>
+              <a:rPr lang="de-DE" dirty="0" err="1"/>
+              <a:t>implementation</a:t>
+            </a:r>
+            <a:br>
+              <a:rPr lang="de-DE" dirty="0"/>
+            </a:br>
+            <a:r>
+              <a:rPr lang="de-DE" dirty="0"/>
+              <a:t>- Filter </a:t>
+            </a:r>
+            <a:r>
+              <a:rPr lang="de-DE" dirty="0" err="1"/>
+              <a:t>function</a:t>
+            </a:r>
+            <a:r>
+              <a:rPr lang="de-DE" dirty="0"/>
+              <a:t> </a:t>
+            </a:r>
+            <a:r>
+              <a:rPr lang="de-DE" dirty="0" err="1"/>
+              <a:t>semaphores</a:t>
+            </a:r>
+            <a:r>
+              <a:rPr lang="de-DE" dirty="0"/>
+              <a:t> -</a:t>
+            </a:r>
+          </a:p>
+        </p:txBody>
+      </p:sp>
+      <p:sp>
+        <p:nvSpPr>
+          <p:cNvPr id="6" name="Inhaltsplatzhalter 5">
+            <a:extLst>
+              <a:ext uri="{FF2B5EF4-FFF2-40B4-BE49-F238E27FC236}">
+                <a16:creationId xmlns:a16="http://schemas.microsoft.com/office/drawing/2014/main" id="{7A4B3519-7053-4F4A-9704-0D8536946FB3}"/>
+              </a:ext>
+            </a:extLst>
+          </p:cNvPr>
+          <p:cNvSpPr>
+            <a:spLocks noGrp="1"/>
+          </p:cNvSpPr>
+          <p:nvPr>
+            <p:ph idx="1"/>
+          </p:nvPr>
+        </p:nvSpPr>
+        <p:spPr>
+          <a:xfrm>
+            <a:off x="468923" y="2497368"/>
+            <a:ext cx="11254153" cy="3664282"/>
+          </a:xfrm>
+        </p:spPr>
+        <p:txBody>
+          <a:bodyPr>
+            <a:normAutofit fontScale="92500" lnSpcReduction="10000"/>
+          </a:bodyPr>
+          <a:lstStyle/>
+          <a:p>
+            <a:pPr marL="0" indent="0">
+              <a:buNone/>
+            </a:pPr>
+            <a:r>
+              <a:rPr lang="de-DE" dirty="0" err="1">
+                <a:solidFill>
+                  <a:srgbClr val="DCDCAA"/>
+                </a:solidFill>
+                <a:latin typeface="Menlo" panose="020B0609030804020204" pitchFamily="49" charset="0"/>
+              </a:rPr>
+              <a:t>xSemaphoreTake</a:t>
+            </a:r>
+            <a:r>
+              <a:rPr lang="de-DE" dirty="0">
+                <a:solidFill>
+                  <a:srgbClr val="D4D4D4"/>
+                </a:solidFill>
+                <a:latin typeface="Menlo" panose="020B0609030804020204" pitchFamily="49" charset="0"/>
+              </a:rPr>
+              <a:t>(</a:t>
+            </a:r>
+            <a:r>
+              <a:rPr lang="de-DE" dirty="0" err="1">
+                <a:solidFill>
+                  <a:schemeClr val="tx1"/>
+                </a:solidFill>
+                <a:latin typeface="Menlo" panose="020B0609030804020204" pitchFamily="49" charset="0"/>
+              </a:rPr>
+              <a:t>filtsema,portMAX_DELAY</a:t>
+            </a:r>
+            <a:r>
+              <a:rPr lang="de-DE" dirty="0">
+                <a:solidFill>
+                  <a:srgbClr val="D4D4D4"/>
+                </a:solidFill>
+                <a:latin typeface="Menlo" panose="020B0609030804020204" pitchFamily="49" charset="0"/>
+              </a:rPr>
+              <a:t>); </a:t>
+            </a:r>
+          </a:p>
+          <a:p>
+            <a:pPr marL="0" indent="0">
+              <a:buNone/>
+            </a:pPr>
+            <a:endParaRPr lang="de-DE" dirty="0">
+              <a:solidFill>
+                <a:srgbClr val="D4D4D4"/>
+              </a:solidFill>
+              <a:latin typeface="Menlo" panose="020B0609030804020204" pitchFamily="49" charset="0"/>
+            </a:endParaRPr>
+          </a:p>
+          <a:p>
+            <a:pPr marL="0" indent="0">
+              <a:buNone/>
+            </a:pPr>
+            <a:r>
+              <a:rPr lang="de-DE" dirty="0" err="1">
+                <a:solidFill>
+                  <a:srgbClr val="9CDCFE"/>
+                </a:solidFill>
+                <a:latin typeface="Menlo" panose="020B0609030804020204" pitchFamily="49" charset="0"/>
+              </a:rPr>
+              <a:t>state</a:t>
+            </a:r>
+            <a:r>
+              <a:rPr lang="de-DE" dirty="0" err="1">
+                <a:solidFill>
+                  <a:srgbClr val="D4D4D4"/>
+                </a:solidFill>
+                <a:latin typeface="Menlo" panose="020B0609030804020204" pitchFamily="49" charset="0"/>
+              </a:rPr>
+              <a:t>.</a:t>
+            </a:r>
+            <a:r>
+              <a:rPr lang="de-DE" dirty="0" err="1">
+                <a:solidFill>
+                  <a:srgbClr val="9CDCFE"/>
+                </a:solidFill>
+                <a:latin typeface="Menlo" panose="020B0609030804020204" pitchFamily="49" charset="0"/>
+              </a:rPr>
+              <a:t>pitch</a:t>
+            </a:r>
+            <a:r>
+              <a:rPr lang="de-DE" dirty="0">
+                <a:solidFill>
+                  <a:srgbClr val="D4D4D4"/>
+                </a:solidFill>
+                <a:latin typeface="Menlo" panose="020B0609030804020204" pitchFamily="49" charset="0"/>
+              </a:rPr>
+              <a:t>= (</a:t>
+            </a:r>
+            <a:r>
+              <a:rPr lang="de-DE" dirty="0">
+                <a:solidFill>
+                  <a:srgbClr val="B5CEA8"/>
+                </a:solidFill>
+                <a:latin typeface="Menlo" panose="020B0609030804020204" pitchFamily="49" charset="0"/>
+              </a:rPr>
+              <a:t>1</a:t>
+            </a:r>
+            <a:r>
+              <a:rPr lang="de-DE" dirty="0">
+                <a:solidFill>
+                  <a:srgbClr val="D4D4D4"/>
+                </a:solidFill>
+                <a:latin typeface="Menlo" panose="020B0609030804020204" pitchFamily="49" charset="0"/>
+              </a:rPr>
+              <a:t>-</a:t>
+            </a:r>
+            <a:r>
+              <a:rPr lang="de-DE" dirty="0">
+                <a:solidFill>
+                  <a:schemeClr val="tx1"/>
+                </a:solidFill>
+                <a:latin typeface="Menlo" panose="020B0609030804020204" pitchFamily="49" charset="0"/>
+              </a:rPr>
+              <a:t>gamma</a:t>
+            </a:r>
+            <a:r>
+              <a:rPr lang="de-DE" dirty="0">
+                <a:solidFill>
+                  <a:srgbClr val="D4D4D4"/>
+                </a:solidFill>
+                <a:latin typeface="Menlo" panose="020B0609030804020204" pitchFamily="49" charset="0"/>
+              </a:rPr>
+              <a:t>)*</a:t>
+            </a:r>
+            <a:r>
+              <a:rPr lang="de-DE" dirty="0" err="1">
+                <a:solidFill>
+                  <a:schemeClr val="tx1"/>
+                </a:solidFill>
+                <a:latin typeface="Menlo" panose="020B0609030804020204" pitchFamily="49" charset="0"/>
+              </a:rPr>
+              <a:t>thetaacc</a:t>
+            </a:r>
+            <a:r>
+              <a:rPr lang="de-DE" dirty="0">
+                <a:solidFill>
+                  <a:srgbClr val="D4D4D4"/>
+                </a:solidFill>
+                <a:latin typeface="Menlo" panose="020B0609030804020204" pitchFamily="49" charset="0"/>
+              </a:rPr>
+              <a:t> + </a:t>
+            </a:r>
+            <a:r>
+              <a:rPr lang="de-DE" dirty="0" err="1">
+                <a:solidFill>
+                  <a:schemeClr val="tx1"/>
+                </a:solidFill>
+                <a:latin typeface="Menlo" panose="020B0609030804020204" pitchFamily="49" charset="0"/>
+              </a:rPr>
+              <a:t>gamma</a:t>
+            </a:r>
+            <a:r>
+              <a:rPr lang="de-DE" dirty="0">
+                <a:solidFill>
+                  <a:srgbClr val="D4D4D4"/>
+                </a:solidFill>
+                <a:latin typeface="Menlo" panose="020B0609030804020204" pitchFamily="49" charset="0"/>
+              </a:rPr>
+              <a:t>*(</a:t>
+            </a:r>
+            <a:r>
+              <a:rPr lang="de-DE" dirty="0" err="1">
+                <a:solidFill>
+                  <a:srgbClr val="9CDCFE"/>
+                </a:solidFill>
+                <a:latin typeface="Menlo" panose="020B0609030804020204" pitchFamily="49" charset="0"/>
+              </a:rPr>
+              <a:t>state</a:t>
+            </a:r>
+            <a:r>
+              <a:rPr lang="de-DE" dirty="0" err="1">
+                <a:solidFill>
+                  <a:srgbClr val="D4D4D4"/>
+                </a:solidFill>
+                <a:latin typeface="Menlo" panose="020B0609030804020204" pitchFamily="49" charset="0"/>
+              </a:rPr>
+              <a:t>.</a:t>
+            </a:r>
+            <a:r>
+              <a:rPr lang="de-DE" dirty="0" err="1">
+                <a:solidFill>
+                  <a:srgbClr val="9CDCFE"/>
+                </a:solidFill>
+                <a:latin typeface="Menlo" panose="020B0609030804020204" pitchFamily="49" charset="0"/>
+              </a:rPr>
+              <a:t>pitch</a:t>
+            </a:r>
+            <a:r>
+              <a:rPr lang="de-DE" dirty="0">
+                <a:solidFill>
+                  <a:srgbClr val="D4D4D4"/>
+                </a:solidFill>
+                <a:latin typeface="Menlo" panose="020B0609030804020204" pitchFamily="49" charset="0"/>
+              </a:rPr>
+              <a:t> + </a:t>
+            </a:r>
+            <a:r>
+              <a:rPr lang="de-DE" dirty="0">
+                <a:solidFill>
+                  <a:schemeClr val="tx1"/>
+                </a:solidFill>
+                <a:latin typeface="Menlo" panose="020B0609030804020204" pitchFamily="49" charset="0"/>
+              </a:rPr>
+              <a:t>h</a:t>
+            </a:r>
+            <a:r>
+              <a:rPr lang="de-DE" dirty="0">
+                <a:solidFill>
+                  <a:srgbClr val="D4D4D4"/>
+                </a:solidFill>
+                <a:latin typeface="Menlo" panose="020B0609030804020204" pitchFamily="49" charset="0"/>
+              </a:rPr>
+              <a:t>*</a:t>
+            </a:r>
+            <a:r>
+              <a:rPr lang="de-DE" dirty="0" err="1">
+                <a:solidFill>
+                  <a:srgbClr val="9CDCFE"/>
+                </a:solidFill>
+                <a:latin typeface="Menlo" panose="020B0609030804020204" pitchFamily="49" charset="0"/>
+              </a:rPr>
+              <a:t>sensorData</a:t>
+            </a:r>
+            <a:r>
+              <a:rPr lang="de-DE" dirty="0" err="1">
+                <a:solidFill>
+                  <a:srgbClr val="D4D4D4"/>
+                </a:solidFill>
+                <a:latin typeface="Menlo" panose="020B0609030804020204" pitchFamily="49" charset="0"/>
+              </a:rPr>
+              <a:t>.</a:t>
+            </a:r>
+            <a:r>
+              <a:rPr lang="de-DE" dirty="0" err="1">
+                <a:solidFill>
+                  <a:srgbClr val="9CDCFE"/>
+                </a:solidFill>
+                <a:latin typeface="Menlo" panose="020B0609030804020204" pitchFamily="49" charset="0"/>
+              </a:rPr>
+              <a:t>gyro</a:t>
+            </a:r>
+            <a:r>
+              <a:rPr lang="de-DE" dirty="0" err="1">
+                <a:solidFill>
+                  <a:srgbClr val="D4D4D4"/>
+                </a:solidFill>
+                <a:latin typeface="Menlo" panose="020B0609030804020204" pitchFamily="49" charset="0"/>
+              </a:rPr>
+              <a:t>.</a:t>
+            </a:r>
+            <a:r>
+              <a:rPr lang="de-DE" dirty="0" err="1">
+                <a:solidFill>
+                  <a:srgbClr val="9CDCFE"/>
+                </a:solidFill>
+                <a:latin typeface="Menlo" panose="020B0609030804020204" pitchFamily="49" charset="0"/>
+              </a:rPr>
+              <a:t>y</a:t>
+            </a:r>
+            <a:r>
+              <a:rPr lang="de-DE" dirty="0">
+                <a:solidFill>
+                  <a:srgbClr val="D4D4D4"/>
+                </a:solidFill>
+                <a:latin typeface="Menlo" panose="020B0609030804020204" pitchFamily="49" charset="0"/>
+              </a:rPr>
+              <a:t>);</a:t>
+            </a:r>
+          </a:p>
+          <a:p>
+            <a:pPr marL="0" indent="0">
+              <a:buNone/>
+            </a:pPr>
+            <a:r>
+              <a:rPr lang="de-DE" dirty="0" err="1">
+                <a:solidFill>
+                  <a:srgbClr val="9CDCFE"/>
+                </a:solidFill>
+                <a:latin typeface="Menlo" panose="020B0609030804020204" pitchFamily="49" charset="0"/>
+              </a:rPr>
+              <a:t>state</a:t>
+            </a:r>
+            <a:r>
+              <a:rPr lang="de-DE" dirty="0" err="1">
+                <a:solidFill>
+                  <a:srgbClr val="D4D4D4"/>
+                </a:solidFill>
+                <a:latin typeface="Menlo" panose="020B0609030804020204" pitchFamily="49" charset="0"/>
+              </a:rPr>
+              <a:t>.</a:t>
+            </a:r>
+            <a:r>
+              <a:rPr lang="de-DE" dirty="0" err="1">
+                <a:solidFill>
+                  <a:srgbClr val="9CDCFE"/>
+                </a:solidFill>
+                <a:latin typeface="Menlo" panose="020B0609030804020204" pitchFamily="49" charset="0"/>
+              </a:rPr>
+              <a:t>roll</a:t>
+            </a:r>
+            <a:r>
+              <a:rPr lang="de-DE" dirty="0">
+                <a:solidFill>
+                  <a:srgbClr val="D4D4D4"/>
+                </a:solidFill>
+                <a:latin typeface="Menlo" panose="020B0609030804020204" pitchFamily="49" charset="0"/>
+              </a:rPr>
+              <a:t>= (</a:t>
+            </a:r>
+            <a:r>
+              <a:rPr lang="de-DE" dirty="0">
+                <a:solidFill>
+                  <a:srgbClr val="B5CEA8"/>
+                </a:solidFill>
+                <a:latin typeface="Menlo" panose="020B0609030804020204" pitchFamily="49" charset="0"/>
+              </a:rPr>
+              <a:t>1</a:t>
+            </a:r>
+            <a:r>
+              <a:rPr lang="de-DE" dirty="0">
+                <a:solidFill>
+                  <a:srgbClr val="D4D4D4"/>
+                </a:solidFill>
+                <a:latin typeface="Menlo" panose="020B0609030804020204" pitchFamily="49" charset="0"/>
+              </a:rPr>
+              <a:t>-</a:t>
+            </a:r>
+            <a:r>
+              <a:rPr lang="de-DE" dirty="0">
+                <a:solidFill>
+                  <a:schemeClr val="tx1"/>
+                </a:solidFill>
+                <a:latin typeface="Menlo" panose="020B0609030804020204" pitchFamily="49" charset="0"/>
+              </a:rPr>
+              <a:t>gamma</a:t>
+            </a:r>
+            <a:r>
+              <a:rPr lang="de-DE" dirty="0">
+                <a:solidFill>
+                  <a:srgbClr val="D4D4D4"/>
+                </a:solidFill>
+                <a:latin typeface="Menlo" panose="020B0609030804020204" pitchFamily="49" charset="0"/>
+              </a:rPr>
+              <a:t>)*</a:t>
+            </a:r>
+            <a:r>
+              <a:rPr lang="de-DE" dirty="0" err="1">
+                <a:solidFill>
+                  <a:schemeClr val="tx1"/>
+                </a:solidFill>
+                <a:latin typeface="Menlo" panose="020B0609030804020204" pitchFamily="49" charset="0"/>
+              </a:rPr>
+              <a:t>phiacc</a:t>
+            </a:r>
+            <a:r>
+              <a:rPr lang="de-DE" dirty="0">
+                <a:solidFill>
+                  <a:srgbClr val="D4D4D4"/>
+                </a:solidFill>
+                <a:latin typeface="Menlo" panose="020B0609030804020204" pitchFamily="49" charset="0"/>
+              </a:rPr>
+              <a:t> + </a:t>
+            </a:r>
+            <a:r>
+              <a:rPr lang="de-DE" dirty="0" err="1">
+                <a:solidFill>
+                  <a:schemeClr val="tx1"/>
+                </a:solidFill>
+                <a:latin typeface="Menlo" panose="020B0609030804020204" pitchFamily="49" charset="0"/>
+              </a:rPr>
+              <a:t>gamma</a:t>
+            </a:r>
+            <a:r>
+              <a:rPr lang="de-DE" dirty="0">
+                <a:solidFill>
+                  <a:srgbClr val="D4D4D4"/>
+                </a:solidFill>
+                <a:latin typeface="Menlo" panose="020B0609030804020204" pitchFamily="49" charset="0"/>
+              </a:rPr>
+              <a:t>*(</a:t>
+            </a:r>
+            <a:r>
+              <a:rPr lang="de-DE" dirty="0" err="1">
+                <a:solidFill>
+                  <a:srgbClr val="9CDCFE"/>
+                </a:solidFill>
+                <a:latin typeface="Menlo" panose="020B0609030804020204" pitchFamily="49" charset="0"/>
+              </a:rPr>
+              <a:t>state</a:t>
+            </a:r>
+            <a:r>
+              <a:rPr lang="de-DE" dirty="0" err="1">
+                <a:solidFill>
+                  <a:srgbClr val="D4D4D4"/>
+                </a:solidFill>
+                <a:latin typeface="Menlo" panose="020B0609030804020204" pitchFamily="49" charset="0"/>
+              </a:rPr>
+              <a:t>.</a:t>
+            </a:r>
+            <a:r>
+              <a:rPr lang="de-DE" dirty="0" err="1">
+                <a:solidFill>
+                  <a:srgbClr val="9CDCFE"/>
+                </a:solidFill>
+                <a:latin typeface="Menlo" panose="020B0609030804020204" pitchFamily="49" charset="0"/>
+              </a:rPr>
+              <a:t>roll</a:t>
+            </a:r>
+            <a:r>
+              <a:rPr lang="de-DE" dirty="0">
+                <a:solidFill>
+                  <a:srgbClr val="D4D4D4"/>
+                </a:solidFill>
+                <a:latin typeface="Menlo" panose="020B0609030804020204" pitchFamily="49" charset="0"/>
+              </a:rPr>
+              <a:t> + </a:t>
+            </a:r>
+            <a:r>
+              <a:rPr lang="de-DE" dirty="0">
+                <a:solidFill>
+                  <a:schemeClr val="tx1"/>
+                </a:solidFill>
+                <a:latin typeface="Menlo" panose="020B0609030804020204" pitchFamily="49" charset="0"/>
+              </a:rPr>
+              <a:t>h</a:t>
+            </a:r>
+            <a:r>
+              <a:rPr lang="de-DE" dirty="0">
+                <a:solidFill>
+                  <a:srgbClr val="D4D4D4"/>
+                </a:solidFill>
+                <a:latin typeface="Menlo" panose="020B0609030804020204" pitchFamily="49" charset="0"/>
+              </a:rPr>
+              <a:t>*</a:t>
+            </a:r>
+            <a:r>
+              <a:rPr lang="de-DE" dirty="0" err="1">
+                <a:solidFill>
+                  <a:srgbClr val="9CDCFE"/>
+                </a:solidFill>
+                <a:latin typeface="Menlo" panose="020B0609030804020204" pitchFamily="49" charset="0"/>
+              </a:rPr>
+              <a:t>sensorData</a:t>
+            </a:r>
+            <a:r>
+              <a:rPr lang="de-DE" dirty="0" err="1">
+                <a:solidFill>
+                  <a:srgbClr val="D4D4D4"/>
+                </a:solidFill>
+                <a:latin typeface="Menlo" panose="020B0609030804020204" pitchFamily="49" charset="0"/>
+              </a:rPr>
+              <a:t>.</a:t>
+            </a:r>
+            <a:r>
+              <a:rPr lang="de-DE" dirty="0" err="1">
+                <a:solidFill>
+                  <a:srgbClr val="9CDCFE"/>
+                </a:solidFill>
+                <a:latin typeface="Menlo" panose="020B0609030804020204" pitchFamily="49" charset="0"/>
+              </a:rPr>
+              <a:t>gyro</a:t>
+            </a:r>
+            <a:r>
+              <a:rPr lang="de-DE" dirty="0" err="1">
+                <a:solidFill>
+                  <a:srgbClr val="D4D4D4"/>
+                </a:solidFill>
+                <a:latin typeface="Menlo" panose="020B0609030804020204" pitchFamily="49" charset="0"/>
+              </a:rPr>
+              <a:t>.</a:t>
+            </a:r>
+            <a:r>
+              <a:rPr lang="de-DE" dirty="0" err="1">
+                <a:solidFill>
+                  <a:srgbClr val="9CDCFE"/>
+                </a:solidFill>
+                <a:latin typeface="Menlo" panose="020B0609030804020204" pitchFamily="49" charset="0"/>
+              </a:rPr>
+              <a:t>x</a:t>
+            </a:r>
+            <a:r>
+              <a:rPr lang="de-DE" dirty="0">
+                <a:solidFill>
+                  <a:srgbClr val="D4D4D4"/>
+                </a:solidFill>
+                <a:latin typeface="Menlo" panose="020B0609030804020204" pitchFamily="49" charset="0"/>
+              </a:rPr>
+              <a:t>);</a:t>
+            </a:r>
+          </a:p>
+          <a:p>
+            <a:pPr marL="0" indent="0">
+              <a:buNone/>
+            </a:pPr>
+            <a:r>
+              <a:rPr lang="de-DE" dirty="0" err="1">
+                <a:solidFill>
+                  <a:srgbClr val="9CDCFE"/>
+                </a:solidFill>
+                <a:latin typeface="Menlo" panose="020B0609030804020204" pitchFamily="49" charset="0"/>
+              </a:rPr>
+              <a:t>state</a:t>
+            </a:r>
+            <a:r>
+              <a:rPr lang="de-DE" dirty="0" err="1">
+                <a:solidFill>
+                  <a:srgbClr val="D4D4D4"/>
+                </a:solidFill>
+                <a:latin typeface="Menlo" panose="020B0609030804020204" pitchFamily="49" charset="0"/>
+              </a:rPr>
+              <a:t>.</a:t>
+            </a:r>
+            <a:r>
+              <a:rPr lang="de-DE" dirty="0" err="1">
+                <a:solidFill>
+                  <a:srgbClr val="9CDCFE"/>
+                </a:solidFill>
+                <a:latin typeface="Menlo" panose="020B0609030804020204" pitchFamily="49" charset="0"/>
+              </a:rPr>
+              <a:t>rateRoll</a:t>
+            </a:r>
+            <a:r>
+              <a:rPr lang="de-DE" dirty="0">
+                <a:solidFill>
+                  <a:srgbClr val="D4D4D4"/>
+                </a:solidFill>
+                <a:latin typeface="Menlo" panose="020B0609030804020204" pitchFamily="49" charset="0"/>
+              </a:rPr>
+              <a:t>= </a:t>
+            </a:r>
+            <a:r>
+              <a:rPr lang="de-DE" dirty="0" err="1">
+                <a:solidFill>
+                  <a:srgbClr val="9CDCFE"/>
+                </a:solidFill>
+                <a:latin typeface="Menlo" panose="020B0609030804020204" pitchFamily="49" charset="0"/>
+              </a:rPr>
+              <a:t>sensorData</a:t>
+            </a:r>
+            <a:r>
+              <a:rPr lang="de-DE" dirty="0" err="1">
+                <a:solidFill>
+                  <a:srgbClr val="D4D4D4"/>
+                </a:solidFill>
+                <a:latin typeface="Menlo" panose="020B0609030804020204" pitchFamily="49" charset="0"/>
+              </a:rPr>
+              <a:t>.</a:t>
+            </a:r>
+            <a:r>
+              <a:rPr lang="de-DE" dirty="0" err="1">
+                <a:solidFill>
+                  <a:srgbClr val="9CDCFE"/>
+                </a:solidFill>
+                <a:latin typeface="Menlo" panose="020B0609030804020204" pitchFamily="49" charset="0"/>
+              </a:rPr>
+              <a:t>gyro</a:t>
+            </a:r>
+            <a:r>
+              <a:rPr lang="de-DE" dirty="0" err="1">
+                <a:solidFill>
+                  <a:srgbClr val="D4D4D4"/>
+                </a:solidFill>
+                <a:latin typeface="Menlo" panose="020B0609030804020204" pitchFamily="49" charset="0"/>
+              </a:rPr>
+              <a:t>.</a:t>
+            </a:r>
+            <a:r>
+              <a:rPr lang="de-DE" dirty="0" err="1">
+                <a:solidFill>
+                  <a:srgbClr val="9CDCFE"/>
+                </a:solidFill>
+                <a:latin typeface="Menlo" panose="020B0609030804020204" pitchFamily="49" charset="0"/>
+              </a:rPr>
+              <a:t>x</a:t>
+            </a:r>
+            <a:r>
+              <a:rPr lang="de-DE" dirty="0">
+                <a:solidFill>
+                  <a:srgbClr val="D4D4D4"/>
+                </a:solidFill>
+                <a:latin typeface="Menlo" panose="020B0609030804020204" pitchFamily="49" charset="0"/>
+              </a:rPr>
+              <a:t>;</a:t>
+            </a:r>
+          </a:p>
+          <a:p>
+            <a:pPr marL="0" indent="0">
+              <a:buNone/>
+            </a:pPr>
+            <a:r>
+              <a:rPr lang="de-DE" dirty="0" err="1">
+                <a:solidFill>
+                  <a:srgbClr val="9CDCFE"/>
+                </a:solidFill>
+                <a:latin typeface="Menlo" panose="020B0609030804020204" pitchFamily="49" charset="0"/>
+              </a:rPr>
+              <a:t>state</a:t>
+            </a:r>
+            <a:r>
+              <a:rPr lang="de-DE" dirty="0" err="1">
+                <a:solidFill>
+                  <a:srgbClr val="D4D4D4"/>
+                </a:solidFill>
+                <a:latin typeface="Menlo" panose="020B0609030804020204" pitchFamily="49" charset="0"/>
+              </a:rPr>
+              <a:t>.</a:t>
+            </a:r>
+            <a:r>
+              <a:rPr lang="de-DE" dirty="0" err="1">
+                <a:solidFill>
+                  <a:srgbClr val="9CDCFE"/>
+                </a:solidFill>
+                <a:latin typeface="Menlo" panose="020B0609030804020204" pitchFamily="49" charset="0"/>
+              </a:rPr>
+              <a:t>ratePitch</a:t>
+            </a:r>
+            <a:r>
+              <a:rPr lang="de-DE" dirty="0">
+                <a:solidFill>
+                  <a:srgbClr val="D4D4D4"/>
+                </a:solidFill>
+                <a:latin typeface="Menlo" panose="020B0609030804020204" pitchFamily="49" charset="0"/>
+              </a:rPr>
+              <a:t>= </a:t>
+            </a:r>
+            <a:r>
+              <a:rPr lang="de-DE" dirty="0" err="1">
+                <a:solidFill>
+                  <a:srgbClr val="9CDCFE"/>
+                </a:solidFill>
+                <a:latin typeface="Menlo" panose="020B0609030804020204" pitchFamily="49" charset="0"/>
+              </a:rPr>
+              <a:t>sensorData</a:t>
+            </a:r>
+            <a:r>
+              <a:rPr lang="de-DE" dirty="0" err="1">
+                <a:solidFill>
+                  <a:srgbClr val="D4D4D4"/>
+                </a:solidFill>
+                <a:latin typeface="Menlo" panose="020B0609030804020204" pitchFamily="49" charset="0"/>
+              </a:rPr>
+              <a:t>.</a:t>
+            </a:r>
+            <a:r>
+              <a:rPr lang="de-DE" dirty="0" err="1">
+                <a:solidFill>
+                  <a:srgbClr val="9CDCFE"/>
+                </a:solidFill>
+                <a:latin typeface="Menlo" panose="020B0609030804020204" pitchFamily="49" charset="0"/>
+              </a:rPr>
+              <a:t>gyro</a:t>
+            </a:r>
+            <a:r>
+              <a:rPr lang="de-DE" dirty="0" err="1">
+                <a:solidFill>
+                  <a:srgbClr val="D4D4D4"/>
+                </a:solidFill>
+                <a:latin typeface="Menlo" panose="020B0609030804020204" pitchFamily="49" charset="0"/>
+              </a:rPr>
+              <a:t>.</a:t>
+            </a:r>
+            <a:r>
+              <a:rPr lang="de-DE" dirty="0" err="1">
+                <a:solidFill>
+                  <a:srgbClr val="9CDCFE"/>
+                </a:solidFill>
+                <a:latin typeface="Menlo" panose="020B0609030804020204" pitchFamily="49" charset="0"/>
+              </a:rPr>
+              <a:t>y</a:t>
+            </a:r>
+            <a:r>
+              <a:rPr lang="de-DE" dirty="0">
+                <a:solidFill>
+                  <a:srgbClr val="D4D4D4"/>
+                </a:solidFill>
+                <a:latin typeface="Menlo" panose="020B0609030804020204" pitchFamily="49" charset="0"/>
+              </a:rPr>
+              <a:t>;</a:t>
+            </a:r>
+          </a:p>
+          <a:p>
+            <a:pPr marL="0" indent="0">
+              <a:buNone/>
+            </a:pPr>
+            <a:r>
+              <a:rPr lang="de-DE" dirty="0" err="1">
+                <a:solidFill>
+                  <a:srgbClr val="9CDCFE"/>
+                </a:solidFill>
+                <a:latin typeface="Menlo" panose="020B0609030804020204" pitchFamily="49" charset="0"/>
+              </a:rPr>
+              <a:t>state</a:t>
+            </a:r>
+            <a:r>
+              <a:rPr lang="de-DE" dirty="0" err="1">
+                <a:solidFill>
+                  <a:srgbClr val="D4D4D4"/>
+                </a:solidFill>
+                <a:latin typeface="Menlo" panose="020B0609030804020204" pitchFamily="49" charset="0"/>
+              </a:rPr>
+              <a:t>.</a:t>
+            </a:r>
+            <a:r>
+              <a:rPr lang="de-DE" dirty="0" err="1">
+                <a:solidFill>
+                  <a:srgbClr val="9CDCFE"/>
+                </a:solidFill>
+                <a:latin typeface="Menlo" panose="020B0609030804020204" pitchFamily="49" charset="0"/>
+              </a:rPr>
+              <a:t>rateYaw</a:t>
+            </a:r>
+            <a:r>
+              <a:rPr lang="de-DE" dirty="0">
+                <a:solidFill>
+                  <a:srgbClr val="D4D4D4"/>
+                </a:solidFill>
+                <a:latin typeface="Menlo" panose="020B0609030804020204" pitchFamily="49" charset="0"/>
+              </a:rPr>
+              <a:t>= </a:t>
+            </a:r>
+            <a:r>
+              <a:rPr lang="de-DE" dirty="0" err="1">
+                <a:solidFill>
+                  <a:srgbClr val="9CDCFE"/>
+                </a:solidFill>
+                <a:latin typeface="Menlo" panose="020B0609030804020204" pitchFamily="49" charset="0"/>
+              </a:rPr>
+              <a:t>sensorData</a:t>
+            </a:r>
+            <a:r>
+              <a:rPr lang="de-DE" dirty="0" err="1">
+                <a:solidFill>
+                  <a:srgbClr val="D4D4D4"/>
+                </a:solidFill>
+                <a:latin typeface="Menlo" panose="020B0609030804020204" pitchFamily="49" charset="0"/>
+              </a:rPr>
+              <a:t>.</a:t>
+            </a:r>
+            <a:r>
+              <a:rPr lang="de-DE" dirty="0" err="1">
+                <a:solidFill>
+                  <a:srgbClr val="9CDCFE"/>
+                </a:solidFill>
+                <a:latin typeface="Menlo" panose="020B0609030804020204" pitchFamily="49" charset="0"/>
+              </a:rPr>
+              <a:t>gyro</a:t>
+            </a:r>
+            <a:r>
+              <a:rPr lang="de-DE" dirty="0" err="1">
+                <a:solidFill>
+                  <a:srgbClr val="D4D4D4"/>
+                </a:solidFill>
+                <a:latin typeface="Menlo" panose="020B0609030804020204" pitchFamily="49" charset="0"/>
+              </a:rPr>
+              <a:t>.</a:t>
+            </a:r>
+            <a:r>
+              <a:rPr lang="de-DE" dirty="0" err="1">
+                <a:solidFill>
+                  <a:srgbClr val="9CDCFE"/>
+                </a:solidFill>
+                <a:latin typeface="Menlo" panose="020B0609030804020204" pitchFamily="49" charset="0"/>
+              </a:rPr>
+              <a:t>z</a:t>
+            </a:r>
+            <a:r>
+              <a:rPr lang="de-DE" dirty="0">
+                <a:solidFill>
+                  <a:srgbClr val="D4D4D4"/>
+                </a:solidFill>
+                <a:latin typeface="Menlo" panose="020B0609030804020204" pitchFamily="49" charset="0"/>
+              </a:rPr>
+              <a:t>;</a:t>
+            </a:r>
+          </a:p>
+          <a:p>
+            <a:pPr marL="0" indent="0">
+              <a:buNone/>
+            </a:pPr>
+            <a:r>
+              <a:rPr lang="de-DE" dirty="0">
+                <a:solidFill>
+                  <a:schemeClr val="tx1"/>
+                </a:solidFill>
+                <a:latin typeface="Menlo" panose="020B0609030804020204" pitchFamily="49" charset="0"/>
+              </a:rPr>
+              <a:t>tick++</a:t>
+            </a:r>
+            <a:r>
+              <a:rPr lang="de-DE" dirty="0">
+                <a:solidFill>
+                  <a:srgbClr val="D4D4D4"/>
+                </a:solidFill>
+                <a:latin typeface="Menlo" panose="020B0609030804020204" pitchFamily="49" charset="0"/>
+              </a:rPr>
+              <a:t>;</a:t>
+            </a:r>
+          </a:p>
+          <a:p>
+            <a:pPr marL="0" indent="0">
+              <a:buNone/>
+            </a:pPr>
+            <a:endParaRPr lang="de-DE" dirty="0">
+              <a:solidFill>
+                <a:srgbClr val="D4D4D4"/>
+              </a:solidFill>
+              <a:latin typeface="Menlo" panose="020B0609030804020204" pitchFamily="49" charset="0"/>
+            </a:endParaRPr>
+          </a:p>
+          <a:p>
+            <a:pPr marL="0" indent="0">
+              <a:buNone/>
+            </a:pPr>
+            <a:r>
+              <a:rPr lang="de-DE" dirty="0" err="1">
+                <a:solidFill>
+                  <a:srgbClr val="DCDCAA"/>
+                </a:solidFill>
+                <a:latin typeface="Menlo" panose="020B0609030804020204" pitchFamily="49" charset="0"/>
+              </a:rPr>
+              <a:t>xSemaphoreGive</a:t>
+            </a:r>
+            <a:r>
+              <a:rPr lang="de-DE" dirty="0">
+                <a:solidFill>
+                  <a:srgbClr val="D4D4D4"/>
+                </a:solidFill>
+                <a:latin typeface="Menlo" panose="020B0609030804020204" pitchFamily="49" charset="0"/>
+              </a:rPr>
+              <a:t>(</a:t>
+            </a:r>
+            <a:r>
+              <a:rPr lang="de-DE" dirty="0" err="1">
+                <a:solidFill>
+                  <a:schemeClr val="tx1"/>
+                </a:solidFill>
+                <a:latin typeface="Menlo" panose="020B0609030804020204" pitchFamily="49" charset="0"/>
+              </a:rPr>
+              <a:t>filtsema</a:t>
+            </a:r>
+            <a:r>
+              <a:rPr lang="de-DE" dirty="0">
+                <a:solidFill>
+                  <a:srgbClr val="D4D4D4"/>
+                </a:solidFill>
+                <a:latin typeface="Menlo" panose="020B0609030804020204" pitchFamily="49" charset="0"/>
+              </a:rPr>
+              <a:t>);</a:t>
+            </a:r>
+          </a:p>
+          <a:p>
+            <a:pPr marL="0" indent="0">
+              <a:buNone/>
+            </a:pPr>
+            <a:endParaRPr lang="de-DE" dirty="0"/>
+          </a:p>
+        </p:txBody>
+      </p:sp>
+    </p:spTree>
+    <p:extLst>
+      <p:ext uri="{BB962C8B-B14F-4D97-AF65-F5344CB8AC3E}">
+        <p14:creationId xmlns:p14="http://schemas.microsoft.com/office/powerpoint/2010/main" val="3961163006"/>
+      </p:ext>
+    </p:extLst>
+  </p:cSld>
+  <p:clrMapOvr>
+    <a:masterClrMapping/>
+  </p:clrMapOvr>
+</p:sld>
+</file>
+
+<file path=ppt/slides/slide8.xml><?xml version="1.0" encoding="utf-8"?>
+<p:sld xmlns:a="http://schemas.openxmlformats.org/drawingml/2006/main" xmlns:r="http://schemas.openxmlformats.org/officeDocument/2006/relationships" xmlns:p="http://schemas.openxmlformats.org/presentationml/2006/main">
+  <p:cSld>
+    <p:spTree>
+      <p:nvGrpSpPr>
+        <p:cNvPr id="1" name=""/>
+        <p:cNvGrpSpPr/>
+        <p:nvPr/>
+      </p:nvGrpSpPr>
+      <p:grpSpPr>
+        <a:xfrm>
+          <a:off x="0" y="0"/>
+          <a:ext cx="0" cy="0"/>
+          <a:chOff x="0" y="0"/>
+          <a:chExt cx="0" cy="0"/>
+        </a:xfrm>
+      </p:grpSpPr>
+      <p:sp>
+        <p:nvSpPr>
+          <p:cNvPr id="2" name="Titel 1">
+            <a:extLst>
+              <a:ext uri="{FF2B5EF4-FFF2-40B4-BE49-F238E27FC236}">
+                <a16:creationId xmlns:a16="http://schemas.microsoft.com/office/drawing/2014/main" id="{BA3027A2-7564-7A4F-B4F8-5EF3DF79167E}"/>
+              </a:ext>
+            </a:extLst>
+          </p:cNvPr>
+          <p:cNvSpPr>
+            <a:spLocks noGrp="1"/>
+          </p:cNvSpPr>
+          <p:nvPr>
+            <p:ph type="title"/>
+          </p:nvPr>
+        </p:nvSpPr>
+        <p:spPr/>
+        <p:txBody>
+          <a:bodyPr/>
+          <a:lstStyle/>
+          <a:p>
+            <a:r>
+              <a:rPr lang="de-DE" dirty="0"/>
+              <a:t>C-code </a:t>
+            </a:r>
+            <a:r>
+              <a:rPr lang="de-DE" dirty="0" err="1"/>
+              <a:t>implementation</a:t>
+            </a:r>
+            <a:br>
+              <a:rPr lang="de-DE" dirty="0"/>
+            </a:br>
+            <a:r>
+              <a:rPr lang="de-DE" dirty="0"/>
+              <a:t>- </a:t>
+            </a:r>
+            <a:r>
+              <a:rPr lang="de-DE" dirty="0" err="1"/>
+              <a:t>setpoint</a:t>
+            </a:r>
+            <a:r>
+              <a:rPr lang="de-DE" dirty="0"/>
+              <a:t> </a:t>
+            </a:r>
+            <a:r>
+              <a:rPr lang="de-DE" dirty="0" err="1"/>
+              <a:t>function</a:t>
+            </a:r>
+            <a:r>
+              <a:rPr lang="de-DE" dirty="0"/>
+              <a:t> </a:t>
+            </a:r>
+            <a:r>
+              <a:rPr lang="de-DE" dirty="0" err="1"/>
+              <a:t>semaphores</a:t>
+            </a:r>
+            <a:r>
+              <a:rPr lang="de-DE" dirty="0"/>
+              <a:t> -</a:t>
+            </a:r>
+          </a:p>
+        </p:txBody>
+      </p:sp>
+      <p:sp>
+        <p:nvSpPr>
+          <p:cNvPr id="6" name="Inhaltsplatzhalter 5">
+            <a:extLst>
+              <a:ext uri="{FF2B5EF4-FFF2-40B4-BE49-F238E27FC236}">
+                <a16:creationId xmlns:a16="http://schemas.microsoft.com/office/drawing/2014/main" id="{7A4B3519-7053-4F4A-9704-0D8536946FB3}"/>
+              </a:ext>
+            </a:extLst>
+          </p:cNvPr>
+          <p:cNvSpPr>
+            <a:spLocks noGrp="1"/>
+          </p:cNvSpPr>
+          <p:nvPr>
+            <p:ph idx="1"/>
+          </p:nvPr>
+        </p:nvSpPr>
+        <p:spPr>
+          <a:xfrm>
+            <a:off x="2231136" y="2497368"/>
+            <a:ext cx="7729728" cy="3664282"/>
+          </a:xfrm>
+        </p:spPr>
+        <p:txBody>
+          <a:bodyPr>
+            <a:normAutofit/>
+          </a:bodyPr>
+          <a:lstStyle/>
+          <a:p>
+            <a:pPr marL="0" indent="0">
+              <a:buNone/>
+            </a:pPr>
+            <a:r>
+              <a:rPr lang="de-DE" dirty="0" err="1">
+                <a:solidFill>
+                  <a:srgbClr val="DCDCAA"/>
+                </a:solidFill>
+                <a:latin typeface="Menlo" panose="020B0609030804020204" pitchFamily="49" charset="0"/>
+              </a:rPr>
+              <a:t>xSemaphoreTake</a:t>
+            </a:r>
+            <a:r>
+              <a:rPr lang="de-DE" dirty="0">
+                <a:solidFill>
+                  <a:srgbClr val="D4D4D4"/>
+                </a:solidFill>
+                <a:latin typeface="Menlo" panose="020B0609030804020204" pitchFamily="49" charset="0"/>
+              </a:rPr>
+              <a:t>(</a:t>
+            </a:r>
+            <a:r>
+              <a:rPr lang="de-DE" dirty="0" err="1">
+                <a:solidFill>
+                  <a:schemeClr val="tx1"/>
+                </a:solidFill>
+                <a:latin typeface="Menlo" panose="020B0609030804020204" pitchFamily="49" charset="0"/>
+              </a:rPr>
+              <a:t>setsema,portMAX_DELAY</a:t>
+            </a:r>
+            <a:r>
+              <a:rPr lang="de-DE" dirty="0">
+                <a:solidFill>
+                  <a:srgbClr val="D4D4D4"/>
+                </a:solidFill>
+                <a:latin typeface="Menlo" panose="020B0609030804020204" pitchFamily="49" charset="0"/>
+              </a:rPr>
+              <a:t>);</a:t>
+            </a:r>
+          </a:p>
+          <a:p>
+            <a:pPr marL="0" indent="0">
+              <a:buNone/>
+            </a:pPr>
+            <a:r>
+              <a:rPr lang="de-DE" dirty="0">
+                <a:solidFill>
+                  <a:srgbClr val="D4D4D4"/>
+                </a:solidFill>
+                <a:latin typeface="Menlo" panose="020B0609030804020204" pitchFamily="49" charset="0"/>
+              </a:rPr>
+              <a:t> </a:t>
+            </a:r>
+          </a:p>
+          <a:p>
+            <a:pPr marL="0" indent="0">
+              <a:buNone/>
+            </a:pPr>
+            <a:r>
+              <a:rPr lang="de-DE" dirty="0" err="1">
+                <a:solidFill>
+                  <a:srgbClr val="DCDCAA"/>
+                </a:solidFill>
+                <a:latin typeface="Menlo" panose="020B0609030804020204" pitchFamily="49" charset="0"/>
+              </a:rPr>
+              <a:t>commanderGetSetpoint</a:t>
+            </a:r>
+            <a:r>
+              <a:rPr lang="de-DE" dirty="0">
+                <a:solidFill>
+                  <a:srgbClr val="D4D4D4"/>
+                </a:solidFill>
+                <a:latin typeface="Menlo" panose="020B0609030804020204" pitchFamily="49" charset="0"/>
+              </a:rPr>
+              <a:t>(</a:t>
+            </a:r>
+            <a:r>
+              <a:rPr lang="de-DE" dirty="0">
+                <a:solidFill>
+                  <a:schemeClr val="tx1"/>
+                </a:solidFill>
+                <a:latin typeface="Menlo" panose="020B0609030804020204" pitchFamily="49" charset="0"/>
+              </a:rPr>
+              <a:t>&amp;</a:t>
+            </a:r>
+            <a:r>
+              <a:rPr lang="de-DE" dirty="0" err="1">
+                <a:solidFill>
+                  <a:schemeClr val="tx1"/>
+                </a:solidFill>
+                <a:latin typeface="Menlo" panose="020B0609030804020204" pitchFamily="49" charset="0"/>
+              </a:rPr>
+              <a:t>setpoint</a:t>
+            </a:r>
+            <a:r>
+              <a:rPr lang="de-DE" dirty="0">
+                <a:solidFill>
+                  <a:schemeClr val="tx1"/>
+                </a:solidFill>
+                <a:latin typeface="Menlo" panose="020B0609030804020204" pitchFamily="49" charset="0"/>
+              </a:rPr>
+              <a:t>, tick</a:t>
+            </a:r>
+            <a:r>
+              <a:rPr lang="de-DE" dirty="0">
+                <a:solidFill>
+                  <a:srgbClr val="D4D4D4"/>
+                </a:solidFill>
+                <a:latin typeface="Menlo" panose="020B0609030804020204" pitchFamily="49" charset="0"/>
+              </a:rPr>
+              <a:t>);</a:t>
+            </a:r>
+          </a:p>
+          <a:p>
+            <a:pPr marL="0" indent="0">
+              <a:buNone/>
+            </a:pPr>
+            <a:r>
+              <a:rPr lang="de-DE" dirty="0">
+                <a:solidFill>
+                  <a:schemeClr val="tx1"/>
+                </a:solidFill>
+                <a:latin typeface="Menlo" panose="020B0609030804020204" pitchFamily="49" charset="0"/>
+              </a:rPr>
+              <a:t>tick++</a:t>
+            </a:r>
+            <a:r>
+              <a:rPr lang="de-DE" dirty="0">
+                <a:solidFill>
+                  <a:srgbClr val="D4D4D4"/>
+                </a:solidFill>
+                <a:latin typeface="Menlo" panose="020B0609030804020204" pitchFamily="49" charset="0"/>
+              </a:rPr>
+              <a:t>;</a:t>
+            </a:r>
+          </a:p>
+          <a:p>
+            <a:pPr marL="0" indent="0">
+              <a:buNone/>
+            </a:pPr>
+            <a:endParaRPr lang="de-DE" dirty="0">
+              <a:solidFill>
+                <a:srgbClr val="D4D4D4"/>
+              </a:solidFill>
+              <a:latin typeface="Menlo" panose="020B0609030804020204" pitchFamily="49" charset="0"/>
+            </a:endParaRPr>
+          </a:p>
+          <a:p>
+            <a:pPr marL="0" indent="0">
+              <a:buNone/>
+            </a:pPr>
+            <a:r>
+              <a:rPr lang="de-DE" dirty="0" err="1">
+                <a:solidFill>
+                  <a:srgbClr val="DCDCAA"/>
+                </a:solidFill>
+                <a:latin typeface="Menlo" panose="020B0609030804020204" pitchFamily="49" charset="0"/>
+              </a:rPr>
+              <a:t>xSemaphoreGive</a:t>
+            </a:r>
+            <a:r>
+              <a:rPr lang="de-DE" dirty="0">
+                <a:solidFill>
+                  <a:srgbClr val="D4D4D4"/>
+                </a:solidFill>
+                <a:latin typeface="Menlo" panose="020B0609030804020204" pitchFamily="49" charset="0"/>
+              </a:rPr>
+              <a:t>(</a:t>
+            </a:r>
+            <a:r>
+              <a:rPr lang="de-DE" dirty="0" err="1">
+                <a:solidFill>
+                  <a:schemeClr val="tx1"/>
+                </a:solidFill>
+                <a:latin typeface="Menlo" panose="020B0609030804020204" pitchFamily="49" charset="0"/>
+              </a:rPr>
+              <a:t>setsema</a:t>
+            </a:r>
+            <a:r>
+              <a:rPr lang="de-DE" dirty="0">
+                <a:solidFill>
+                  <a:srgbClr val="D4D4D4"/>
+                </a:solidFill>
+                <a:latin typeface="Menlo" panose="020B0609030804020204" pitchFamily="49" charset="0"/>
+              </a:rPr>
+              <a:t>);</a:t>
+            </a:r>
+          </a:p>
+          <a:p>
+            <a:pPr marL="0" indent="0">
+              <a:buNone/>
+            </a:pPr>
+            <a:endParaRPr lang="de-DE" dirty="0"/>
+          </a:p>
+        </p:txBody>
+      </p:sp>
+    </p:spTree>
+    <p:extLst>
+      <p:ext uri="{BB962C8B-B14F-4D97-AF65-F5344CB8AC3E}">
+        <p14:creationId xmlns:p14="http://schemas.microsoft.com/office/powerpoint/2010/main" val="2179710947"/>
+      </p:ext>
+    </p:extLst>
+  </p:cSld>
+  <p:clrMapOvr>
+    <a:masterClrMapping/>
+  </p:clrMapOvr>
+</p:sld>
+</file>
+
+<file path=ppt/slides/slide9.xml><?xml version="1.0" encoding="utf-8"?>
+<p:sld xmlns:a="http://schemas.openxmlformats.org/drawingml/2006/main" xmlns:r="http://schemas.openxmlformats.org/officeDocument/2006/relationships" xmlns:p="http://schemas.openxmlformats.org/presentationml/2006/main">
+  <p:cSld>
+    <p:spTree>
+      <p:nvGrpSpPr>
+        <p:cNvPr id="1" name=""/>
+        <p:cNvGrpSpPr/>
+        <p:nvPr/>
+      </p:nvGrpSpPr>
+      <p:grpSpPr>
+        <a:xfrm>
+          <a:off x="0" y="0"/>
+          <a:ext cx="0" cy="0"/>
+          <a:chOff x="0" y="0"/>
+          <a:chExt cx="0" cy="0"/>
+        </a:xfrm>
+      </p:grpSpPr>
+      <p:sp>
+        <p:nvSpPr>
+          <p:cNvPr id="2" name="Titel 1">
+            <a:extLst>
+              <a:ext uri="{FF2B5EF4-FFF2-40B4-BE49-F238E27FC236}">
+                <a16:creationId xmlns:a16="http://schemas.microsoft.com/office/drawing/2014/main" id="{BA3027A2-7564-7A4F-B4F8-5EF3DF79167E}"/>
+              </a:ext>
+            </a:extLst>
+          </p:cNvPr>
+          <p:cNvSpPr>
+            <a:spLocks noGrp="1"/>
+          </p:cNvSpPr>
+          <p:nvPr>
+            <p:ph type="title"/>
+          </p:nvPr>
+        </p:nvSpPr>
+        <p:spPr/>
+        <p:txBody>
+          <a:bodyPr/>
+          <a:lstStyle/>
+          <a:p>
+            <a:r>
+              <a:rPr lang="de-DE" dirty="0"/>
+              <a:t>C-code </a:t>
+            </a:r>
+            <a:r>
+              <a:rPr lang="de-DE" dirty="0" err="1"/>
+              <a:t>implementation</a:t>
+            </a:r>
+            <a:br>
+              <a:rPr lang="de-DE" dirty="0"/>
+            </a:br>
+            <a:r>
+              <a:rPr lang="de-DE" dirty="0"/>
+              <a:t>- </a:t>
+            </a:r>
+            <a:r>
+              <a:rPr lang="de-DE" dirty="0" err="1"/>
+              <a:t>setpoint</a:t>
+            </a:r>
+            <a:r>
+              <a:rPr lang="de-DE" dirty="0"/>
+              <a:t> </a:t>
+            </a:r>
+            <a:r>
+              <a:rPr lang="de-DE" dirty="0" err="1"/>
+              <a:t>function</a:t>
+            </a:r>
+            <a:r>
+              <a:rPr lang="de-DE" dirty="0"/>
+              <a:t> </a:t>
+            </a:r>
+            <a:r>
+              <a:rPr lang="de-DE" dirty="0" err="1"/>
+              <a:t>semaphores</a:t>
+            </a:r>
+            <a:r>
+              <a:rPr lang="de-DE" dirty="0"/>
+              <a:t> -</a:t>
+            </a:r>
+          </a:p>
+        </p:txBody>
+      </p:sp>
+      <p:sp>
+        <p:nvSpPr>
+          <p:cNvPr id="4" name="Inhaltsplatzhalter 3">
+            <a:extLst>
+              <a:ext uri="{FF2B5EF4-FFF2-40B4-BE49-F238E27FC236}">
+                <a16:creationId xmlns:a16="http://schemas.microsoft.com/office/drawing/2014/main" id="{6E6848F5-729F-1D4F-86D4-A83149154EB3}"/>
+              </a:ext>
+            </a:extLst>
+          </p:cNvPr>
+          <p:cNvSpPr>
+            <a:spLocks noGrp="1"/>
+          </p:cNvSpPr>
+          <p:nvPr>
+            <p:ph idx="1"/>
+          </p:nvPr>
+        </p:nvSpPr>
+        <p:spPr>
+          <a:xfrm>
+            <a:off x="2231136" y="2638044"/>
+            <a:ext cx="7729728" cy="3987839"/>
+          </a:xfrm>
+        </p:spPr>
+        <p:txBody>
+          <a:bodyPr>
+            <a:normAutofit fontScale="92500" lnSpcReduction="20000"/>
+          </a:bodyPr>
+          <a:lstStyle/>
+          <a:p>
+            <a:pPr marL="0" indent="0">
+              <a:buNone/>
+            </a:pPr>
+            <a:r>
+              <a:rPr lang="de-DE" dirty="0" err="1">
+                <a:solidFill>
+                  <a:srgbClr val="DCDCAA"/>
+                </a:solidFill>
+                <a:latin typeface="Menlo" panose="020B0609030804020204" pitchFamily="49" charset="0"/>
+              </a:rPr>
+              <a:t>xSemaphoreTake</a:t>
+            </a:r>
+            <a:r>
+              <a:rPr lang="de-DE" dirty="0">
+                <a:solidFill>
+                  <a:srgbClr val="D4D4D4"/>
+                </a:solidFill>
+                <a:latin typeface="Menlo" panose="020B0609030804020204" pitchFamily="49" charset="0"/>
+              </a:rPr>
+              <a:t>(</a:t>
+            </a:r>
+            <a:r>
+              <a:rPr lang="de-DE" dirty="0" err="1">
+                <a:solidFill>
+                  <a:srgbClr val="D4D4D4"/>
+                </a:solidFill>
+                <a:latin typeface="Menlo" panose="020B0609030804020204" pitchFamily="49" charset="0"/>
+              </a:rPr>
+              <a:t>setsema,portMAX_DELAY</a:t>
+            </a:r>
+            <a:r>
+              <a:rPr lang="de-DE" dirty="0">
+                <a:solidFill>
+                  <a:srgbClr val="D4D4D4"/>
+                </a:solidFill>
+                <a:latin typeface="Menlo" panose="020B0609030804020204" pitchFamily="49" charset="0"/>
+              </a:rPr>
+              <a:t>); </a:t>
+            </a:r>
+          </a:p>
+          <a:p>
+            <a:pPr marL="0" indent="0">
+              <a:buNone/>
+            </a:pPr>
+            <a:r>
+              <a:rPr lang="de-DE" dirty="0" err="1">
+                <a:solidFill>
+                  <a:srgbClr val="DCDCAA"/>
+                </a:solidFill>
+                <a:latin typeface="Menlo" panose="020B0609030804020204" pitchFamily="49" charset="0"/>
+              </a:rPr>
+              <a:t>xSemaphoreTake</a:t>
+            </a:r>
+            <a:r>
+              <a:rPr lang="de-DE" dirty="0">
+                <a:solidFill>
+                  <a:srgbClr val="D4D4D4"/>
+                </a:solidFill>
+                <a:latin typeface="Menlo" panose="020B0609030804020204" pitchFamily="49" charset="0"/>
+              </a:rPr>
+              <a:t>(</a:t>
+            </a:r>
+            <a:r>
+              <a:rPr lang="de-DE" dirty="0" err="1">
+                <a:solidFill>
+                  <a:srgbClr val="D4D4D4"/>
+                </a:solidFill>
+                <a:latin typeface="Menlo" panose="020B0609030804020204" pitchFamily="49" charset="0"/>
+              </a:rPr>
+              <a:t>filtsema,portMAX_DELAY</a:t>
+            </a:r>
+            <a:r>
+              <a:rPr lang="de-DE" dirty="0">
+                <a:solidFill>
+                  <a:srgbClr val="D4D4D4"/>
+                </a:solidFill>
+                <a:latin typeface="Menlo" panose="020B0609030804020204" pitchFamily="49" charset="0"/>
+              </a:rPr>
+              <a:t>); </a:t>
+            </a:r>
+          </a:p>
+          <a:p>
+            <a:pPr marL="0" indent="0">
+              <a:buNone/>
+            </a:pPr>
+            <a:r>
+              <a:rPr lang="de-DE" dirty="0">
+                <a:solidFill>
+                  <a:schemeClr val="tx1"/>
+                </a:solidFill>
+                <a:latin typeface="Menlo" panose="020B0609030804020204" pitchFamily="49" charset="0"/>
+              </a:rPr>
+              <a:t>Set </a:t>
+            </a:r>
+            <a:r>
+              <a:rPr lang="de-DE" dirty="0" err="1">
+                <a:solidFill>
+                  <a:schemeClr val="tx1"/>
+                </a:solidFill>
+                <a:latin typeface="Menlo" panose="020B0609030804020204" pitchFamily="49" charset="0"/>
+              </a:rPr>
+              <a:t>point</a:t>
+            </a:r>
+            <a:r>
+              <a:rPr lang="de-DE" dirty="0">
+                <a:solidFill>
+                  <a:schemeClr val="tx1"/>
+                </a:solidFill>
+                <a:latin typeface="Menlo" panose="020B0609030804020204" pitchFamily="49" charset="0"/>
+              </a:rPr>
+              <a:t> </a:t>
+            </a:r>
+            <a:r>
+              <a:rPr lang="de-DE" dirty="0" err="1">
+                <a:solidFill>
+                  <a:schemeClr val="tx1"/>
+                </a:solidFill>
+                <a:latin typeface="Menlo" panose="020B0609030804020204" pitchFamily="49" charset="0"/>
+              </a:rPr>
+              <a:t>tracking</a:t>
+            </a:r>
+            <a:r>
+              <a:rPr lang="de-DE" dirty="0">
+                <a:solidFill>
+                  <a:schemeClr val="tx1"/>
+                </a:solidFill>
+                <a:latin typeface="Menlo" panose="020B0609030804020204" pitchFamily="49" charset="0"/>
+              </a:rPr>
+              <a:t> etc.</a:t>
+            </a:r>
+          </a:p>
+          <a:p>
+            <a:pPr marL="0" indent="0">
+              <a:buNone/>
+            </a:pPr>
+            <a:r>
+              <a:rPr lang="de-DE" dirty="0" err="1">
+                <a:solidFill>
+                  <a:srgbClr val="DCDCAA"/>
+                </a:solidFill>
+                <a:latin typeface="Menlo" panose="020B0609030804020204" pitchFamily="49" charset="0"/>
+              </a:rPr>
+              <a:t>xSemaphoreGive</a:t>
+            </a:r>
+            <a:r>
+              <a:rPr lang="de-DE" dirty="0">
+                <a:solidFill>
+                  <a:srgbClr val="D4D4D4"/>
+                </a:solidFill>
+                <a:latin typeface="Menlo" panose="020B0609030804020204" pitchFamily="49" charset="0"/>
+              </a:rPr>
+              <a:t>(</a:t>
+            </a:r>
+            <a:r>
+              <a:rPr lang="de-DE" dirty="0" err="1">
+                <a:solidFill>
+                  <a:srgbClr val="D4D4D4"/>
+                </a:solidFill>
+                <a:latin typeface="Menlo" panose="020B0609030804020204" pitchFamily="49" charset="0"/>
+              </a:rPr>
+              <a:t>filtsema</a:t>
+            </a:r>
+            <a:r>
+              <a:rPr lang="de-DE" dirty="0">
+                <a:solidFill>
+                  <a:srgbClr val="D4D4D4"/>
+                </a:solidFill>
+                <a:latin typeface="Menlo" panose="020B0609030804020204" pitchFamily="49" charset="0"/>
+              </a:rPr>
+              <a:t>);</a:t>
+            </a:r>
+          </a:p>
+          <a:p>
+            <a:pPr marL="0" indent="0">
+              <a:buNone/>
+            </a:pPr>
+            <a:br>
+              <a:rPr lang="de-DE" dirty="0">
+                <a:solidFill>
+                  <a:srgbClr val="D4D4D4"/>
+                </a:solidFill>
+                <a:latin typeface="Menlo" panose="020B0609030804020204" pitchFamily="49" charset="0"/>
+              </a:rPr>
+            </a:br>
+            <a:br>
+              <a:rPr lang="de-DE" dirty="0">
+                <a:solidFill>
+                  <a:srgbClr val="D4D4D4"/>
+                </a:solidFill>
+                <a:latin typeface="Menlo" panose="020B0609030804020204" pitchFamily="49" charset="0"/>
+              </a:rPr>
+            </a:br>
+            <a:r>
+              <a:rPr lang="de-DE" dirty="0">
+                <a:solidFill>
+                  <a:schemeClr val="tx1"/>
+                </a:solidFill>
+                <a:latin typeface="Menlo" panose="020B0609030804020204" pitchFamily="49" charset="0"/>
+              </a:rPr>
+              <a:t>value_1 =</a:t>
+            </a:r>
+          </a:p>
+          <a:p>
+            <a:pPr marL="0" indent="0">
+              <a:buNone/>
+            </a:pPr>
+            <a:r>
+              <a:rPr lang="de-DE" dirty="0">
+                <a:solidFill>
+                  <a:schemeClr val="tx1"/>
+                </a:solidFill>
+                <a:latin typeface="Menlo" panose="020B0609030804020204" pitchFamily="49" charset="0"/>
+              </a:rPr>
+              <a:t>value_2 = </a:t>
+            </a:r>
+          </a:p>
+          <a:p>
+            <a:pPr marL="0" indent="0">
+              <a:buNone/>
+            </a:pPr>
+            <a:r>
+              <a:rPr lang="de-DE" dirty="0">
+                <a:solidFill>
+                  <a:schemeClr val="tx1"/>
+                </a:solidFill>
+                <a:latin typeface="Menlo" panose="020B0609030804020204" pitchFamily="49" charset="0"/>
+              </a:rPr>
+              <a:t>value_3 =</a:t>
+            </a:r>
+          </a:p>
+          <a:p>
+            <a:pPr marL="0" indent="0">
+              <a:buNone/>
+            </a:pPr>
+            <a:r>
+              <a:rPr lang="de-DE" dirty="0">
+                <a:solidFill>
+                  <a:schemeClr val="tx1"/>
+                </a:solidFill>
+                <a:latin typeface="Menlo" panose="020B0609030804020204" pitchFamily="49" charset="0"/>
+              </a:rPr>
+              <a:t>Value_4 =</a:t>
+            </a:r>
+          </a:p>
+          <a:p>
+            <a:pPr marL="0" indent="0">
+              <a:buNone/>
+            </a:pPr>
+            <a:r>
+              <a:rPr lang="de-DE" dirty="0" err="1">
+                <a:solidFill>
+                  <a:srgbClr val="DCDCAA"/>
+                </a:solidFill>
+                <a:latin typeface="Menlo" panose="020B0609030804020204" pitchFamily="49" charset="0"/>
+              </a:rPr>
+              <a:t>xSemaphoreGive</a:t>
+            </a:r>
+            <a:r>
+              <a:rPr lang="de-DE" dirty="0">
+                <a:solidFill>
+                  <a:srgbClr val="D4D4D4"/>
+                </a:solidFill>
+                <a:latin typeface="Menlo" panose="020B0609030804020204" pitchFamily="49" charset="0"/>
+              </a:rPr>
+              <a:t>(</a:t>
+            </a:r>
+            <a:r>
+              <a:rPr lang="de-DE" dirty="0" err="1">
+                <a:solidFill>
+                  <a:srgbClr val="D4D4D4"/>
+                </a:solidFill>
+                <a:latin typeface="Menlo" panose="020B0609030804020204" pitchFamily="49" charset="0"/>
+              </a:rPr>
+              <a:t>setsema</a:t>
+            </a:r>
+            <a:r>
+              <a:rPr lang="de-DE" dirty="0">
+                <a:solidFill>
+                  <a:srgbClr val="D4D4D4"/>
+                </a:solidFill>
+                <a:latin typeface="Menlo" panose="020B0609030804020204" pitchFamily="49" charset="0"/>
+              </a:rPr>
+              <a:t>);</a:t>
+            </a:r>
+          </a:p>
+          <a:p>
+            <a:pPr marL="0" indent="0">
+              <a:buNone/>
+            </a:pPr>
+            <a:r>
+              <a:rPr lang="de-DE" dirty="0" err="1">
+                <a:solidFill>
+                  <a:schemeClr val="tx1"/>
+                </a:solidFill>
+                <a:latin typeface="Menlo" panose="020B0609030804020204" pitchFamily="49" charset="0"/>
+              </a:rPr>
+              <a:t>Conversion</a:t>
+            </a:r>
+            <a:r>
+              <a:rPr lang="de-DE" dirty="0">
+                <a:solidFill>
+                  <a:schemeClr val="tx1"/>
+                </a:solidFill>
+                <a:latin typeface="Menlo" panose="020B0609030804020204" pitchFamily="49" charset="0"/>
+              </a:rPr>
+              <a:t> </a:t>
+            </a:r>
+            <a:r>
+              <a:rPr lang="de-DE" dirty="0" err="1">
+                <a:solidFill>
+                  <a:schemeClr val="tx1"/>
+                </a:solidFill>
+                <a:latin typeface="Menlo" panose="020B0609030804020204" pitchFamily="49" charset="0"/>
+              </a:rPr>
+              <a:t>to</a:t>
+            </a:r>
+            <a:r>
+              <a:rPr lang="de-DE" dirty="0">
+                <a:solidFill>
+                  <a:schemeClr val="tx1"/>
+                </a:solidFill>
+                <a:latin typeface="Menlo" panose="020B0609030804020204" pitchFamily="49" charset="0"/>
+              </a:rPr>
+              <a:t> uint16_t</a:t>
+            </a:r>
+          </a:p>
+          <a:p>
+            <a:pPr marL="0" indent="0">
+              <a:buNone/>
+            </a:pPr>
+            <a:endParaRPr lang="de-DE" dirty="0">
+              <a:solidFill>
+                <a:srgbClr val="D4D4D4"/>
+              </a:solidFill>
+              <a:latin typeface="Menlo" panose="020B0609030804020204" pitchFamily="49" charset="0"/>
+            </a:endParaRPr>
+          </a:p>
+        </p:txBody>
+      </p:sp>
+    </p:spTree>
+    <p:extLst>
+      <p:ext uri="{BB962C8B-B14F-4D97-AF65-F5344CB8AC3E}">
+        <p14:creationId xmlns:p14="http://schemas.microsoft.com/office/powerpoint/2010/main" val="3382581039"/>
+      </p:ext>
+    </p:extLst>
+  </p:cSld>
+  <p:clrMapOvr>
+    <a:masterClrMapping/>
   </p:clrMapOvr>
 </p:sld>
 </file>
